--- a/SE499/Lectures/4/Architecture and Design.pptx
+++ b/SE499/Lectures/4/Architecture and Design.pptx
@@ -5,7 +5,7 @@
     <p:sldMasterId id="2147483648" r:id="rId1"/>
   </p:sldMasterIdLst>
   <p:notesMasterIdLst>
-    <p:notesMasterId r:id="rId21"/>
+    <p:notesMasterId r:id="rId26"/>
   </p:notesMasterIdLst>
   <p:sldIdLst>
     <p:sldId id="256" r:id="rId2"/>
@@ -17,16 +17,21 @@
     <p:sldId id="784" r:id="rId8"/>
     <p:sldId id="786" r:id="rId9"/>
     <p:sldId id="787" r:id="rId10"/>
-    <p:sldId id="788" r:id="rId11"/>
-    <p:sldId id="789" r:id="rId12"/>
-    <p:sldId id="790" r:id="rId13"/>
-    <p:sldId id="791" r:id="rId14"/>
-    <p:sldId id="792" r:id="rId15"/>
-    <p:sldId id="793" r:id="rId16"/>
-    <p:sldId id="794" r:id="rId17"/>
-    <p:sldId id="795" r:id="rId18"/>
-    <p:sldId id="796" r:id="rId19"/>
-    <p:sldId id="797" r:id="rId20"/>
+    <p:sldId id="798" r:id="rId11"/>
+    <p:sldId id="788" r:id="rId12"/>
+    <p:sldId id="789" r:id="rId13"/>
+    <p:sldId id="790" r:id="rId14"/>
+    <p:sldId id="791" r:id="rId15"/>
+    <p:sldId id="792" r:id="rId16"/>
+    <p:sldId id="799" r:id="rId17"/>
+    <p:sldId id="800" r:id="rId18"/>
+    <p:sldId id="801" r:id="rId19"/>
+    <p:sldId id="802" r:id="rId20"/>
+    <p:sldId id="793" r:id="rId21"/>
+    <p:sldId id="794" r:id="rId22"/>
+    <p:sldId id="795" r:id="rId23"/>
+    <p:sldId id="796" r:id="rId24"/>
+    <p:sldId id="797" r:id="rId25"/>
   </p:sldIdLst>
   <p:sldSz cx="12192000" cy="6858000"/>
   <p:notesSz cx="6858000" cy="9144000"/>
@@ -244,7 +249,7 @@
           <a:p>
             <a:fld id="{41DA9887-9249-49FD-809A-BACB264048C3}" type="datetimeFigureOut">
               <a:rPr lang="en-US" smtClean="0"/>
-              <a:t>9/2/2023</a:t>
+              <a:t>9/9/2023</a:t>
             </a:fld>
             <a:endParaRPr lang="en-US"/>
           </a:p>
@@ -646,7 +651,7 @@
           <a:p>
             <a:fld id="{EF213E56-3C1A-435A-851B-5B1F221C2038}" type="datetime1">
               <a:rPr lang="en-US" smtClean="0"/>
-              <a:t>9/2/2023</a:t>
+              <a:t>9/9/2023</a:t>
             </a:fld>
             <a:endParaRPr lang="en-US"/>
           </a:p>
@@ -925,7 +930,7 @@
           <a:p>
             <a:fld id="{B4696837-4851-4AA6-8AED-554226C981D1}" type="datetime1">
               <a:rPr lang="en-US" smtClean="0"/>
-              <a:t>9/2/2023</a:t>
+              <a:t>9/9/2023</a:t>
             </a:fld>
             <a:endParaRPr lang="en-US"/>
           </a:p>
@@ -1103,7 +1108,7 @@
           <a:p>
             <a:fld id="{BADD32E1-BB70-4827-BA33-FF5AFC435BE9}" type="datetime1">
               <a:rPr lang="en-US" smtClean="0"/>
-              <a:t>9/2/2023</a:t>
+              <a:t>9/9/2023</a:t>
             </a:fld>
             <a:endParaRPr lang="en-US"/>
           </a:p>
@@ -1349,7 +1354,7 @@
             </a:pPr>
             <a:fld id="{40B9EAF6-54F2-4DF5-9C6B-3F6F95B86356}" type="datetime1">
               <a:rPr lang="en-US" smtClean="0"/>
-              <a:t>9/2/2023</a:t>
+              <a:t>9/9/2023</a:t>
             </a:fld>
             <a:endParaRPr lang="en-US"/>
           </a:p>
@@ -1530,7 +1535,7 @@
             </a:pPr>
             <a:fld id="{D3D64A56-6FF4-479A-8655-719A18A98C4B}" type="datetime1">
               <a:rPr lang="en-US" smtClean="0"/>
-              <a:t>9/2/2023</a:t>
+              <a:t>9/9/2023</a:t>
             </a:fld>
             <a:endParaRPr lang="en-US"/>
           </a:p>
@@ -1808,7 +1813,7 @@
           <a:p>
             <a:fld id="{BB961044-FC46-4CBC-9061-59528F4899F3}" type="datetime1">
               <a:rPr lang="en-US" smtClean="0"/>
-              <a:t>9/2/2023</a:t>
+              <a:t>9/9/2023</a:t>
             </a:fld>
             <a:endParaRPr lang="en-US"/>
           </a:p>
@@ -2152,7 +2157,7 @@
           <a:p>
             <a:fld id="{4466A08C-77F3-471E-A5C4-1D2068144BAC}" type="datetime1">
               <a:rPr lang="en-US" smtClean="0"/>
-              <a:t>9/2/2023</a:t>
+              <a:t>9/9/2023</a:t>
             </a:fld>
             <a:endParaRPr lang="en-US"/>
           </a:p>
@@ -2381,7 +2386,7 @@
           <a:p>
             <a:fld id="{B90A7AD1-16F4-44C3-AE32-24C59A599E9D}" type="datetime1">
               <a:rPr lang="en-US" smtClean="0"/>
-              <a:t>9/2/2023</a:t>
+              <a:t>9/9/2023</a:t>
             </a:fld>
             <a:endParaRPr lang="en-US"/>
           </a:p>
@@ -2745,7 +2750,7 @@
           <a:p>
             <a:fld id="{B583DB4F-4316-4DF5-A229-BC1D787C82A0}" type="datetime1">
               <a:rPr lang="en-US" smtClean="0"/>
-              <a:t>9/2/2023</a:t>
+              <a:t>9/9/2023</a:t>
             </a:fld>
             <a:endParaRPr lang="en-US"/>
           </a:p>
@@ -2840,7 +2845,7 @@
           <a:p>
             <a:fld id="{AE6064B7-7A9F-432D-B7B9-6824267AA574}" type="datetime1">
               <a:rPr lang="en-US" smtClean="0"/>
-              <a:t>9/2/2023</a:t>
+              <a:t>9/9/2023</a:t>
             </a:fld>
             <a:endParaRPr lang="en-US"/>
           </a:p>
@@ -3062,7 +3067,7 @@
             <a:fld id="{B2F5E2FA-C428-4CE7-95B0-168D3259A5BB}" type="datetimeFigureOut">
               <a:rPr lang="en-US" smtClean="0"/>
               <a:pPr/>
-              <a:t>9/2/2023</a:t>
+              <a:t>9/9/2023</a:t>
             </a:fld>
             <a:endParaRPr lang="en-US"/>
           </a:p>
@@ -3233,7 +3238,7 @@
           <a:p>
             <a:fld id="{4E1C93A2-B712-486A-8AB5-D41B95D547BE}" type="datetime1">
               <a:rPr lang="en-US" smtClean="0"/>
-              <a:t>9/2/2023</a:t>
+              <a:t>9/9/2023</a:t>
             </a:fld>
             <a:endParaRPr lang="en-US"/>
           </a:p>
@@ -3508,7 +3513,7 @@
           <a:p>
             <a:fld id="{CAB2F318-F19F-4608-B7EF-F7FB8A482213}" type="datetime1">
               <a:rPr lang="en-US" smtClean="0"/>
-              <a:t>9/2/2023</a:t>
+              <a:t>9/9/2023</a:t>
             </a:fld>
             <a:endParaRPr lang="en-US"/>
           </a:p>
@@ -3760,7 +3765,7 @@
           <a:p>
             <a:fld id="{BB9CEF8C-69D6-4C3E-B892-F682F307A7B6}" type="datetime1">
               <a:rPr lang="en-US" smtClean="0"/>
-              <a:t>9/2/2023</a:t>
+              <a:t>9/9/2023</a:t>
             </a:fld>
             <a:endParaRPr lang="en-US"/>
           </a:p>
@@ -3971,7 +3976,7 @@
           <a:p>
             <a:fld id="{FB737C73-4A31-4C17-AFB7-7B8470027787}" type="datetime1">
               <a:rPr lang="en-US" smtClean="0"/>
-              <a:t>9/2/2023</a:t>
+              <a:t>9/9/2023</a:t>
             </a:fld>
             <a:endParaRPr lang="en-US"/>
           </a:p>
@@ -4524,8 +4529,13 @@
           <a:p>
             <a:r>
               <a:rPr lang="en-US" dirty="0"/>
-              <a:t>Understanding Software Design</a:t>
-            </a:r>
+              <a:t>Software </a:t>
+            </a:r>
+            <a:r>
+              <a:rPr lang="en-US" dirty="0" smtClean="0"/>
+              <a:t>architecture characteristics </a:t>
+            </a:r>
+            <a:endParaRPr lang="en-US" dirty="0"/>
           </a:p>
         </p:txBody>
       </p:sp>
@@ -4546,19 +4556,65 @@
           <a:p>
             <a:r>
               <a:rPr lang="en-US" dirty="0"/>
-              <a:t>Software design refers to the process of creating a plan, blueprint, or architecture for a software system. </a:t>
-            </a:r>
-            <a:endParaRPr lang="en-US" dirty="0" smtClean="0"/>
-          </a:p>
-          <a:p>
+              <a:t>Aligning Architecture with Business </a:t>
+            </a:r>
             <a:r>
               <a:rPr lang="en-US" dirty="0" smtClean="0"/>
-              <a:t>It </a:t>
-            </a:r>
-            <a:r>
-              <a:rPr lang="en-US" dirty="0"/>
-              <a:t>involves making decisions about the structure, functionality, and behavior of the system, as well as the algorithms and data structures that will be used to implement it.</a:t>
-            </a:r>
+              <a:t>Goals</a:t>
+            </a:r>
+          </a:p>
+          <a:p>
+            <a:r>
+              <a:rPr lang="en-US" dirty="0" smtClean="0"/>
+              <a:t>Scalability</a:t>
+            </a:r>
+          </a:p>
+          <a:p>
+            <a:r>
+              <a:rPr lang="en-US" dirty="0" smtClean="0"/>
+              <a:t>Maintainability</a:t>
+            </a:r>
+          </a:p>
+          <a:p>
+            <a:r>
+              <a:rPr lang="en-US" dirty="0" smtClean="0"/>
+              <a:t>Extensibility</a:t>
+            </a:r>
+          </a:p>
+          <a:p>
+            <a:r>
+              <a:rPr lang="en-US" dirty="0" smtClean="0"/>
+              <a:t>Flexibility</a:t>
+            </a:r>
+          </a:p>
+          <a:p>
+            <a:r>
+              <a:rPr lang="en-US" dirty="0"/>
+              <a:t>Performance </a:t>
+            </a:r>
+            <a:r>
+              <a:rPr lang="en-US" dirty="0" smtClean="0"/>
+              <a:t>Efficiency</a:t>
+            </a:r>
+          </a:p>
+          <a:p>
+            <a:r>
+              <a:rPr lang="en-US" dirty="0" smtClean="0"/>
+              <a:t>Security</a:t>
+            </a:r>
+          </a:p>
+          <a:p>
+            <a:r>
+              <a:rPr lang="en-US" dirty="0" smtClean="0"/>
+              <a:t>Usability</a:t>
+            </a:r>
+          </a:p>
+          <a:p>
+            <a:r>
+              <a:rPr lang="en-US" dirty="0" smtClean="0"/>
+              <a:t>Reusability</a:t>
+            </a:r>
+            <a:endParaRPr lang="en-US" dirty="0"/>
           </a:p>
         </p:txBody>
       </p:sp>
@@ -4589,7 +4645,7 @@
     </p:spTree>
     <p:extLst>
       <p:ext uri="{BB962C8B-B14F-4D97-AF65-F5344CB8AC3E}">
-        <p14:creationId xmlns:p14="http://schemas.microsoft.com/office/powerpoint/2010/main" val="4186735125"/>
+        <p14:creationId xmlns:p14="http://schemas.microsoft.com/office/powerpoint/2010/main" val="1750929383"/>
       </p:ext>
     </p:extLst>
   </p:cSld>
@@ -4650,14 +4706,12 @@
         </p:nvSpPr>
         <p:spPr/>
         <p:txBody>
-          <a:bodyPr>
-            <a:normAutofit/>
-          </a:bodyPr>
-          <a:lstStyle/>
-          <a:p>
-            <a:r>
-              <a:rPr lang="en-US" dirty="0"/>
-              <a:t>Software design is a critical step in the software development process, as it helps ensure that the system is developed efficiently, effectively, and meets the requirements of its users. </a:t>
+          <a:bodyPr/>
+          <a:lstStyle/>
+          <a:p>
+            <a:r>
+              <a:rPr lang="en-US" dirty="0"/>
+              <a:t>Software design refers to the process of creating a plan, blueprint, or architecture for a software system. </a:t>
             </a:r>
             <a:endParaRPr lang="en-US" dirty="0" smtClean="0"/>
           </a:p>
@@ -4668,46 +4722,7 @@
             </a:r>
             <a:r>
               <a:rPr lang="en-US" dirty="0"/>
-              <a:t>involves a series of activities, including:</a:t>
-            </a:r>
-          </a:p>
-          <a:p>
-            <a:pPr lvl="1"/>
-            <a:r>
-              <a:rPr lang="en-US" dirty="0" smtClean="0"/>
-              <a:t>Defining </a:t>
-            </a:r>
-            <a:r>
-              <a:rPr lang="en-US" dirty="0"/>
-              <a:t>the system's requirements and constraints</a:t>
-            </a:r>
-          </a:p>
-          <a:p>
-            <a:pPr lvl="1"/>
-            <a:r>
-              <a:rPr lang="en-US" dirty="0"/>
-              <a:t>Creating models, prototypes, and diagrams to represent the system's architecture and functionality</a:t>
-            </a:r>
-          </a:p>
-          <a:p>
-            <a:pPr lvl="1"/>
-            <a:r>
-              <a:rPr lang="en-US" dirty="0"/>
-              <a:t>Identifying and evaluating design options and trade-offs</a:t>
-            </a:r>
-          </a:p>
-          <a:p>
-            <a:pPr lvl="1"/>
-            <a:r>
-              <a:rPr lang="en-US" dirty="0"/>
-              <a:t>Selecting the most appropriate design solution</a:t>
-            </a:r>
-          </a:p>
-          <a:p>
-            <a:pPr lvl="1"/>
-            <a:r>
-              <a:rPr lang="en-US" dirty="0"/>
-              <a:t>Documenting the design in sufficient detail to allow for its implementation</a:t>
+              <a:t>involves making decisions about the structure, functionality, and behavior of the system, as well as the algorithms and data structures that will be used to implement it.</a:t>
             </a:r>
           </a:p>
         </p:txBody>
@@ -4739,7 +4754,7 @@
     </p:spTree>
     <p:extLst>
       <p:ext uri="{BB962C8B-B14F-4D97-AF65-F5344CB8AC3E}">
-        <p14:creationId xmlns:p14="http://schemas.microsoft.com/office/powerpoint/2010/main" val="2238098394"/>
+        <p14:creationId xmlns:p14="http://schemas.microsoft.com/office/powerpoint/2010/main" val="4186735125"/>
       </p:ext>
     </p:extLst>
   </p:cSld>
@@ -4783,7 +4798,7 @@
           <a:p>
             <a:r>
               <a:rPr lang="en-US" dirty="0"/>
-              <a:t>Design Principles</a:t>
+              <a:t>Understanding Software Design</a:t>
             </a:r>
           </a:p>
         </p:txBody>
@@ -4807,101 +4822,58 @@
           <a:p>
             <a:r>
               <a:rPr lang="en-US" dirty="0"/>
-              <a:t>Separation of </a:t>
-            </a:r>
+              <a:t>Software design is a critical step in the software development process, as it helps ensure that the system is developed efficiently, effectively, and meets the requirements of its users. </a:t>
+            </a:r>
+            <a:endParaRPr lang="en-US" dirty="0" smtClean="0"/>
+          </a:p>
+          <a:p>
             <a:r>
               <a:rPr lang="en-US" dirty="0" smtClean="0"/>
-              <a:t>concerns</a:t>
-            </a:r>
-          </a:p>
-          <a:p>
+              <a:t>It </a:t>
+            </a:r>
+            <a:r>
+              <a:rPr lang="en-US" dirty="0"/>
+              <a:t>involves a series of activities, including:</a:t>
+            </a:r>
+          </a:p>
+          <a:p>
+            <a:pPr lvl="1"/>
             <a:r>
               <a:rPr lang="en-US" dirty="0" smtClean="0"/>
-              <a:t>Modularity</a:t>
-            </a:r>
-          </a:p>
-          <a:p>
-            <a:r>
-              <a:rPr lang="en-US" dirty="0" smtClean="0"/>
-              <a:t>Abstraction</a:t>
-            </a:r>
-          </a:p>
-          <a:p>
-            <a:r>
-              <a:rPr lang="en-US" dirty="0"/>
-              <a:t>SOLID principles</a:t>
-            </a:r>
-            <a:endParaRPr lang="en-US" dirty="0" smtClean="0"/>
-          </a:p>
-          <a:p>
-            <a:r>
-              <a:rPr lang="en-US" dirty="0" smtClean="0"/>
-              <a:t>Don't </a:t>
-            </a:r>
-            <a:r>
-              <a:rPr lang="en-US" dirty="0"/>
-              <a:t>repeat yourself (DRY</a:t>
-            </a:r>
-            <a:r>
-              <a:rPr lang="en-US" dirty="0" smtClean="0"/>
-              <a:t>)</a:t>
-            </a:r>
-            <a:endParaRPr lang="en-US" dirty="0"/>
-          </a:p>
-          <a:p>
-            <a:r>
-              <a:rPr lang="en-US" dirty="0"/>
-              <a:t>KISS (Keep it simple, stupid</a:t>
-            </a:r>
-            <a:r>
-              <a:rPr lang="en-US" dirty="0" smtClean="0"/>
-              <a:t>)</a:t>
-            </a:r>
-          </a:p>
-          <a:p>
-            <a:r>
-              <a:rPr lang="en-US" dirty="0" smtClean="0"/>
-              <a:t>YAGNI </a:t>
-            </a:r>
-            <a:r>
-              <a:rPr lang="en-US" dirty="0"/>
-              <a:t>(You </a:t>
-            </a:r>
-            <a:r>
-              <a:rPr lang="en-US" dirty="0" err="1"/>
-              <a:t>ain't</a:t>
-            </a:r>
-            <a:r>
-              <a:rPr lang="en-US" dirty="0"/>
-              <a:t> </a:t>
-            </a:r>
-            <a:r>
-              <a:rPr lang="en-US" dirty="0" err="1"/>
-              <a:t>gonna</a:t>
-            </a:r>
-            <a:r>
-              <a:rPr lang="en-US" dirty="0"/>
-              <a:t> need it</a:t>
-            </a:r>
-            <a:r>
-              <a:rPr lang="en-US" dirty="0" smtClean="0"/>
-              <a:t>)</a:t>
-            </a:r>
-            <a:endParaRPr lang="en-US" dirty="0"/>
-          </a:p>
-          <a:p>
-            <a:r>
-              <a:rPr lang="en-US" dirty="0"/>
-              <a:t>Test-driven development (TDD</a:t>
-            </a:r>
-            <a:r>
-              <a:rPr lang="en-US" dirty="0" smtClean="0"/>
-              <a:t>)</a:t>
-            </a:r>
-            <a:endParaRPr lang="en-US" dirty="0"/>
-          </a:p>
-          <a:p>
-            <a:endParaRPr lang="en-US" dirty="0"/>
+              <a:t>Defining </a:t>
+            </a:r>
+            <a:r>
+              <a:rPr lang="en-US" dirty="0"/>
+              <a:t>the system's requirements and constraints</a:t>
+            </a:r>
+          </a:p>
+          <a:p>
+            <a:pPr lvl="1"/>
+            <a:r>
+              <a:rPr lang="en-US" dirty="0"/>
+              <a:t>Creating models, prototypes, and diagrams to represent the system's architecture and functionality</a:t>
+            </a:r>
+          </a:p>
+          <a:p>
+            <a:pPr lvl="1"/>
+            <a:r>
+              <a:rPr lang="en-US" dirty="0"/>
+              <a:t>Identifying and evaluating design options and trade-offs</a:t>
+            </a:r>
+          </a:p>
+          <a:p>
+            <a:pPr lvl="1"/>
+            <a:r>
+              <a:rPr lang="en-US" dirty="0"/>
+              <a:t>Selecting the most appropriate design solution</a:t>
+            </a:r>
+          </a:p>
+          <a:p>
+            <a:pPr lvl="1"/>
+            <a:r>
+              <a:rPr lang="en-US" dirty="0"/>
+              <a:t>Documenting the design in sufficient detail to allow for its implementation</a:t>
+            </a:r>
           </a:p>
         </p:txBody>
       </p:sp>
@@ -4932,7 +4904,7 @@
     </p:spTree>
     <p:extLst>
       <p:ext uri="{BB962C8B-B14F-4D97-AF65-F5344CB8AC3E}">
-        <p14:creationId xmlns:p14="http://schemas.microsoft.com/office/powerpoint/2010/main" val="1481095055"/>
+        <p14:creationId xmlns:p14="http://schemas.microsoft.com/office/powerpoint/2010/main" val="2238098394"/>
       </p:ext>
     </p:extLst>
   </p:cSld>
@@ -5125,7 +5097,7 @@
     </p:spTree>
     <p:extLst>
       <p:ext uri="{BB962C8B-B14F-4D97-AF65-F5344CB8AC3E}">
-        <p14:creationId xmlns:p14="http://schemas.microsoft.com/office/powerpoint/2010/main" val="2103230780"/>
+        <p14:creationId xmlns:p14="http://schemas.microsoft.com/office/powerpoint/2010/main" val="1481095055"/>
       </p:ext>
     </p:extLst>
   </p:cSld>
@@ -5168,43 +5140,126 @@
           <a:lstStyle/>
           <a:p>
             <a:r>
+              <a:rPr lang="en-US" dirty="0"/>
+              <a:t>Design Principles</a:t>
+            </a:r>
+          </a:p>
+        </p:txBody>
+      </p:sp>
+      <p:sp>
+        <p:nvSpPr>
+          <p:cNvPr id="3" name="Content Placeholder 2"/>
+          <p:cNvSpPr>
+            <a:spLocks noGrp="1"/>
+          </p:cNvSpPr>
+          <p:nvPr>
+            <p:ph idx="1"/>
+          </p:nvPr>
+        </p:nvSpPr>
+        <p:spPr/>
+        <p:txBody>
+          <a:bodyPr>
+            <a:normAutofit/>
+          </a:bodyPr>
+          <a:lstStyle/>
+          <a:p>
+            <a:r>
+              <a:rPr lang="en-US" dirty="0"/>
+              <a:t>Separation of </a:t>
+            </a:r>
+            <a:r>
               <a:rPr lang="en-US" dirty="0" smtClean="0"/>
-              <a:t>Design Patterns</a:t>
+              <a:t>concerns</a:t>
+            </a:r>
+          </a:p>
+          <a:p>
+            <a:r>
+              <a:rPr lang="en-US" dirty="0" smtClean="0"/>
+              <a:t>Modularity</a:t>
+            </a:r>
+          </a:p>
+          <a:p>
+            <a:r>
+              <a:rPr lang="en-US" dirty="0" smtClean="0"/>
+              <a:t>Abstraction</a:t>
+            </a:r>
+          </a:p>
+          <a:p>
+            <a:r>
+              <a:rPr lang="en-US" dirty="0"/>
+              <a:t>SOLID principles</a:t>
+            </a:r>
+            <a:endParaRPr lang="en-US" dirty="0" smtClean="0"/>
+          </a:p>
+          <a:p>
+            <a:r>
+              <a:rPr lang="en-US" dirty="0" smtClean="0"/>
+              <a:t>Don't </a:t>
+            </a:r>
+            <a:r>
+              <a:rPr lang="en-US" dirty="0"/>
+              <a:t>repeat yourself (DRY</a:t>
+            </a:r>
+            <a:r>
+              <a:rPr lang="en-US" dirty="0" smtClean="0"/>
+              <a:t>)</a:t>
             </a:r>
             <a:endParaRPr lang="en-US" dirty="0"/>
           </a:p>
-        </p:txBody>
-      </p:sp>
-      <p:sp>
-        <p:nvSpPr>
-          <p:cNvPr id="3" name="Content Placeholder 2"/>
-          <p:cNvSpPr>
-            <a:spLocks noGrp="1"/>
-          </p:cNvSpPr>
-          <p:nvPr>
-            <p:ph idx="1"/>
-          </p:nvPr>
-        </p:nvSpPr>
-        <p:spPr/>
-        <p:txBody>
-          <a:bodyPr/>
-          <a:lstStyle/>
-          <a:p>
-            <a:r>
-              <a:rPr lang="en-US" dirty="0"/>
-              <a:t>Design patterns at the software design level are reusable solutions to common problems that arise during the software design process. </a:t>
-            </a:r>
-            <a:endParaRPr lang="en-US" dirty="0" smtClean="0"/>
-          </a:p>
-          <a:p>
+          <a:p>
+            <a:r>
+              <a:rPr lang="en-US" dirty="0"/>
+              <a:t>KISS (Keep it simple, stupid</a:t>
+            </a:r>
             <a:r>
               <a:rPr lang="en-US" dirty="0" smtClean="0"/>
-              <a:t>They </a:t>
-            </a:r>
-            <a:r>
-              <a:rPr lang="en-US" dirty="0"/>
-              <a:t>provide a proven, standardized approach to solving specific design problems, making it easier for developers to create robust, maintainable, and extensible software systems.</a:t>
-            </a:r>
+              <a:t>)</a:t>
+            </a:r>
+          </a:p>
+          <a:p>
+            <a:r>
+              <a:rPr lang="en-US" dirty="0" smtClean="0"/>
+              <a:t>YAGNI </a:t>
+            </a:r>
+            <a:r>
+              <a:rPr lang="en-US" dirty="0"/>
+              <a:t>(You </a:t>
+            </a:r>
+            <a:r>
+              <a:rPr lang="en-US" dirty="0" err="1"/>
+              <a:t>ain't</a:t>
+            </a:r>
+            <a:r>
+              <a:rPr lang="en-US" dirty="0"/>
+              <a:t> </a:t>
+            </a:r>
+            <a:r>
+              <a:rPr lang="en-US" dirty="0" err="1"/>
+              <a:t>gonna</a:t>
+            </a:r>
+            <a:r>
+              <a:rPr lang="en-US" dirty="0"/>
+              <a:t> need it</a:t>
+            </a:r>
+            <a:r>
+              <a:rPr lang="en-US" dirty="0" smtClean="0"/>
+              <a:t>)</a:t>
+            </a:r>
+            <a:endParaRPr lang="en-US" dirty="0"/>
+          </a:p>
+          <a:p>
+            <a:r>
+              <a:rPr lang="en-US" dirty="0"/>
+              <a:t>Test-driven development (TDD</a:t>
+            </a:r>
+            <a:r>
+              <a:rPr lang="en-US" dirty="0" smtClean="0"/>
+              <a:t>)</a:t>
+            </a:r>
+            <a:endParaRPr lang="en-US" dirty="0"/>
+          </a:p>
+          <a:p>
+            <a:endParaRPr lang="en-US" dirty="0"/>
           </a:p>
         </p:txBody>
       </p:sp>
@@ -5235,7 +5290,7 @@
     </p:spTree>
     <p:extLst>
       <p:ext uri="{BB962C8B-B14F-4D97-AF65-F5344CB8AC3E}">
-        <p14:creationId xmlns:p14="http://schemas.microsoft.com/office/powerpoint/2010/main" val="3657335177"/>
+        <p14:creationId xmlns:p14="http://schemas.microsoft.com/office/powerpoint/2010/main" val="2103230780"/>
       </p:ext>
     </p:extLst>
   </p:cSld>
@@ -5274,6 +5329,930 @@
         </p:nvSpPr>
         <p:spPr/>
         <p:txBody>
+          <a:bodyPr/>
+          <a:lstStyle/>
+          <a:p>
+            <a:r>
+              <a:rPr lang="en-US" dirty="0" smtClean="0"/>
+              <a:t>Design Patterns</a:t>
+            </a:r>
+            <a:endParaRPr lang="en-US" dirty="0"/>
+          </a:p>
+        </p:txBody>
+      </p:sp>
+      <p:sp>
+        <p:nvSpPr>
+          <p:cNvPr id="3" name="Content Placeholder 2"/>
+          <p:cNvSpPr>
+            <a:spLocks noGrp="1"/>
+          </p:cNvSpPr>
+          <p:nvPr>
+            <p:ph idx="1"/>
+          </p:nvPr>
+        </p:nvSpPr>
+        <p:spPr/>
+        <p:txBody>
+          <a:bodyPr/>
+          <a:lstStyle/>
+          <a:p>
+            <a:r>
+              <a:rPr lang="en-US" dirty="0"/>
+              <a:t>Design patterns at the software design level are reusable solutions to common problems that arise during the software design process. </a:t>
+            </a:r>
+            <a:endParaRPr lang="en-US" dirty="0" smtClean="0"/>
+          </a:p>
+          <a:p>
+            <a:r>
+              <a:rPr lang="en-US" dirty="0" smtClean="0"/>
+              <a:t>They </a:t>
+            </a:r>
+            <a:r>
+              <a:rPr lang="en-US" dirty="0"/>
+              <a:t>provide a proven, standardized approach to solving specific design problems, making it easier for developers to create robust, maintainable, and extensible software systems.</a:t>
+            </a:r>
+          </a:p>
+        </p:txBody>
+      </p:sp>
+      <p:sp>
+        <p:nvSpPr>
+          <p:cNvPr id="4" name="Slide Number Placeholder 3"/>
+          <p:cNvSpPr>
+            <a:spLocks noGrp="1"/>
+          </p:cNvSpPr>
+          <p:nvPr>
+            <p:ph type="sldNum" sz="quarter" idx="12"/>
+          </p:nvPr>
+        </p:nvSpPr>
+        <p:spPr/>
+        <p:txBody>
+          <a:bodyPr/>
+          <a:lstStyle/>
+          <a:p>
+            <a:fld id="{B8DACC02-A2BD-4578-8E03-6D891060A695}" type="slidenum">
+              <a:rPr lang="en-US" smtClean="0"/>
+              <a:pPr/>
+              <a:t>15</a:t>
+            </a:fld>
+            <a:endParaRPr lang="en-US" dirty="0"/>
+          </a:p>
+        </p:txBody>
+      </p:sp>
+    </p:spTree>
+    <p:extLst>
+      <p:ext uri="{BB962C8B-B14F-4D97-AF65-F5344CB8AC3E}">
+        <p14:creationId xmlns:p14="http://schemas.microsoft.com/office/powerpoint/2010/main" val="3657335177"/>
+      </p:ext>
+    </p:extLst>
+  </p:cSld>
+  <p:clrMapOvr>
+    <a:masterClrMapping/>
+  </p:clrMapOvr>
+</p:sld>
+</file>
+
+<file path=ppt/slides/slide16.xml><?xml version="1.0" encoding="utf-8"?>
+<p:sld xmlns:a="http://schemas.openxmlformats.org/drawingml/2006/main" xmlns:r="http://schemas.openxmlformats.org/officeDocument/2006/relationships" xmlns:p="http://schemas.openxmlformats.org/presentationml/2006/main">
+  <p:cSld>
+    <p:spTree>
+      <p:nvGrpSpPr>
+        <p:cNvPr id="1" name=""/>
+        <p:cNvGrpSpPr/>
+        <p:nvPr/>
+      </p:nvGrpSpPr>
+      <p:grpSpPr>
+        <a:xfrm>
+          <a:off x="0" y="0"/>
+          <a:ext cx="0" cy="0"/>
+          <a:chOff x="0" y="0"/>
+          <a:chExt cx="0" cy="0"/>
+        </a:xfrm>
+      </p:grpSpPr>
+      <p:sp>
+        <p:nvSpPr>
+          <p:cNvPr id="2" name="Title 1"/>
+          <p:cNvSpPr>
+            <a:spLocks noGrp="1"/>
+          </p:cNvSpPr>
+          <p:nvPr>
+            <p:ph type="title"/>
+          </p:nvPr>
+        </p:nvSpPr>
+        <p:spPr/>
+        <p:txBody>
+          <a:bodyPr/>
+          <a:lstStyle/>
+          <a:p>
+            <a:r>
+              <a:rPr lang="en-US" dirty="0"/>
+              <a:t>Desirable Characteristics of a Design</a:t>
+            </a:r>
+          </a:p>
+        </p:txBody>
+      </p:sp>
+      <p:sp>
+        <p:nvSpPr>
+          <p:cNvPr id="3" name="Content Placeholder 2"/>
+          <p:cNvSpPr>
+            <a:spLocks noGrp="1"/>
+          </p:cNvSpPr>
+          <p:nvPr>
+            <p:ph idx="1"/>
+          </p:nvPr>
+        </p:nvSpPr>
+        <p:spPr/>
+        <p:txBody>
+          <a:bodyPr>
+            <a:normAutofit/>
+          </a:bodyPr>
+          <a:lstStyle/>
+          <a:p>
+            <a:pPr>
+              <a:lnSpc>
+                <a:spcPct val="100000"/>
+              </a:lnSpc>
+            </a:pPr>
+            <a:r>
+              <a:rPr lang="en-US" dirty="0"/>
+              <a:t>Minimal </a:t>
+            </a:r>
+            <a:r>
+              <a:rPr lang="en-US" dirty="0" smtClean="0"/>
+              <a:t>complexity</a:t>
+            </a:r>
+          </a:p>
+          <a:p>
+            <a:pPr lvl="1">
+              <a:lnSpc>
+                <a:spcPct val="100000"/>
+              </a:lnSpc>
+            </a:pPr>
+            <a:r>
+              <a:rPr lang="en-US" dirty="0" smtClean="0"/>
+              <a:t>A </a:t>
+            </a:r>
+            <a:r>
+              <a:rPr lang="en-US" dirty="0"/>
+              <a:t>design should be simple and easy to understand, avoiding unnecessary complexity that can make it hard to maintain and extend.</a:t>
+            </a:r>
+          </a:p>
+          <a:p>
+            <a:pPr>
+              <a:lnSpc>
+                <a:spcPct val="100000"/>
+              </a:lnSpc>
+            </a:pPr>
+            <a:r>
+              <a:rPr lang="en-US" dirty="0" smtClean="0"/>
+              <a:t>Ease </a:t>
+            </a:r>
+            <a:r>
+              <a:rPr lang="en-US" dirty="0"/>
+              <a:t>of </a:t>
+            </a:r>
+            <a:r>
+              <a:rPr lang="en-US" dirty="0" smtClean="0"/>
+              <a:t>maintenance</a:t>
+            </a:r>
+          </a:p>
+          <a:p>
+            <a:pPr lvl="1">
+              <a:lnSpc>
+                <a:spcPct val="100000"/>
+              </a:lnSpc>
+            </a:pPr>
+            <a:r>
+              <a:rPr lang="en-US" dirty="0" smtClean="0"/>
+              <a:t>A </a:t>
+            </a:r>
+            <a:r>
+              <a:rPr lang="en-US" dirty="0"/>
+              <a:t>design should be easy to maintain and modify, with a focus on making it self-explanatory for maintenance programmers.</a:t>
+            </a:r>
+          </a:p>
+          <a:p>
+            <a:pPr>
+              <a:lnSpc>
+                <a:spcPct val="100000"/>
+              </a:lnSpc>
+            </a:pPr>
+            <a:r>
+              <a:rPr lang="en-US" dirty="0" smtClean="0"/>
+              <a:t>Loose coupling</a:t>
+            </a:r>
+          </a:p>
+          <a:p>
+            <a:pPr lvl="1">
+              <a:lnSpc>
+                <a:spcPct val="100000"/>
+              </a:lnSpc>
+            </a:pPr>
+            <a:r>
+              <a:rPr lang="en-US" dirty="0" smtClean="0"/>
+              <a:t>A </a:t>
+            </a:r>
+            <a:r>
+              <a:rPr lang="en-US" dirty="0"/>
+              <a:t>design should minimize connections between different parts of a program to reduce the impact of changes and improvements.</a:t>
+            </a:r>
+          </a:p>
+        </p:txBody>
+      </p:sp>
+      <p:sp>
+        <p:nvSpPr>
+          <p:cNvPr id="4" name="Slide Number Placeholder 3"/>
+          <p:cNvSpPr>
+            <a:spLocks noGrp="1"/>
+          </p:cNvSpPr>
+          <p:nvPr>
+            <p:ph type="sldNum" sz="quarter" idx="12"/>
+          </p:nvPr>
+        </p:nvSpPr>
+        <p:spPr/>
+        <p:txBody>
+          <a:bodyPr/>
+          <a:lstStyle/>
+          <a:p>
+            <a:fld id="{B8DACC02-A2BD-4578-8E03-6D891060A695}" type="slidenum">
+              <a:rPr lang="en-US" smtClean="0"/>
+              <a:pPr/>
+              <a:t>16</a:t>
+            </a:fld>
+            <a:endParaRPr lang="en-US" dirty="0"/>
+          </a:p>
+        </p:txBody>
+      </p:sp>
+    </p:spTree>
+    <p:extLst>
+      <p:ext uri="{BB962C8B-B14F-4D97-AF65-F5344CB8AC3E}">
+        <p14:creationId xmlns:p14="http://schemas.microsoft.com/office/powerpoint/2010/main" val="3200569548"/>
+      </p:ext>
+    </p:extLst>
+  </p:cSld>
+  <p:clrMapOvr>
+    <a:masterClrMapping/>
+  </p:clrMapOvr>
+</p:sld>
+</file>
+
+<file path=ppt/slides/slide17.xml><?xml version="1.0" encoding="utf-8"?>
+<p:sld xmlns:a="http://schemas.openxmlformats.org/drawingml/2006/main" xmlns:r="http://schemas.openxmlformats.org/officeDocument/2006/relationships" xmlns:p="http://schemas.openxmlformats.org/presentationml/2006/main">
+  <p:cSld>
+    <p:spTree>
+      <p:nvGrpSpPr>
+        <p:cNvPr id="1" name=""/>
+        <p:cNvGrpSpPr/>
+        <p:nvPr/>
+      </p:nvGrpSpPr>
+      <p:grpSpPr>
+        <a:xfrm>
+          <a:off x="0" y="0"/>
+          <a:ext cx="0" cy="0"/>
+          <a:chOff x="0" y="0"/>
+          <a:chExt cx="0" cy="0"/>
+        </a:xfrm>
+      </p:grpSpPr>
+      <p:sp>
+        <p:nvSpPr>
+          <p:cNvPr id="2" name="Title 1"/>
+          <p:cNvSpPr>
+            <a:spLocks noGrp="1"/>
+          </p:cNvSpPr>
+          <p:nvPr>
+            <p:ph type="title"/>
+          </p:nvPr>
+        </p:nvSpPr>
+        <p:spPr/>
+        <p:txBody>
+          <a:bodyPr/>
+          <a:lstStyle/>
+          <a:p>
+            <a:r>
+              <a:rPr lang="en-US" dirty="0"/>
+              <a:t>Desirable Characteristics of a Design</a:t>
+            </a:r>
+          </a:p>
+        </p:txBody>
+      </p:sp>
+      <p:sp>
+        <p:nvSpPr>
+          <p:cNvPr id="3" name="Content Placeholder 2"/>
+          <p:cNvSpPr>
+            <a:spLocks noGrp="1"/>
+          </p:cNvSpPr>
+          <p:nvPr>
+            <p:ph idx="1"/>
+          </p:nvPr>
+        </p:nvSpPr>
+        <p:spPr/>
+        <p:txBody>
+          <a:bodyPr>
+            <a:normAutofit/>
+          </a:bodyPr>
+          <a:lstStyle/>
+          <a:p>
+            <a:pPr>
+              <a:lnSpc>
+                <a:spcPct val="100000"/>
+              </a:lnSpc>
+            </a:pPr>
+            <a:r>
+              <a:rPr lang="en-US" dirty="0" smtClean="0"/>
+              <a:t>Extensibility</a:t>
+            </a:r>
+          </a:p>
+          <a:p>
+            <a:pPr lvl="1">
+              <a:lnSpc>
+                <a:spcPct val="100000"/>
+              </a:lnSpc>
+            </a:pPr>
+            <a:r>
+              <a:rPr lang="en-US" dirty="0" smtClean="0"/>
+              <a:t>A </a:t>
+            </a:r>
+            <a:r>
+              <a:rPr lang="en-US" dirty="0"/>
+              <a:t>design should be modular and allow for easy extension and modification without affecting the underlying structure.</a:t>
+            </a:r>
+          </a:p>
+          <a:p>
+            <a:pPr>
+              <a:lnSpc>
+                <a:spcPct val="100000"/>
+              </a:lnSpc>
+            </a:pPr>
+            <a:r>
+              <a:rPr lang="en-US" dirty="0" smtClean="0"/>
+              <a:t>Reusability</a:t>
+            </a:r>
+          </a:p>
+          <a:p>
+            <a:pPr lvl="1">
+              <a:lnSpc>
+                <a:spcPct val="100000"/>
+              </a:lnSpc>
+            </a:pPr>
+            <a:r>
+              <a:rPr lang="en-US" dirty="0" smtClean="0"/>
+              <a:t>A </a:t>
+            </a:r>
+            <a:r>
+              <a:rPr lang="en-US" dirty="0"/>
+              <a:t>design should promote reusability by utilizing modular, flexible, and standardized components.</a:t>
+            </a:r>
+          </a:p>
+          <a:p>
+            <a:pPr>
+              <a:lnSpc>
+                <a:spcPct val="100000"/>
+              </a:lnSpc>
+            </a:pPr>
+            <a:r>
+              <a:rPr lang="en-US" dirty="0" smtClean="0"/>
+              <a:t>High fan-in</a:t>
+            </a:r>
+          </a:p>
+          <a:p>
+            <a:pPr lvl="1">
+              <a:lnSpc>
+                <a:spcPct val="100000"/>
+              </a:lnSpc>
+            </a:pPr>
+            <a:r>
+              <a:rPr lang="en-US" dirty="0" smtClean="0"/>
+              <a:t>A </a:t>
+            </a:r>
+            <a:r>
+              <a:rPr lang="en-US" dirty="0"/>
+              <a:t>design should have a high number of classes that use a given class, indicating good use of utility classes.</a:t>
+            </a:r>
+          </a:p>
+        </p:txBody>
+      </p:sp>
+      <p:sp>
+        <p:nvSpPr>
+          <p:cNvPr id="4" name="Slide Number Placeholder 3"/>
+          <p:cNvSpPr>
+            <a:spLocks noGrp="1"/>
+          </p:cNvSpPr>
+          <p:nvPr>
+            <p:ph type="sldNum" sz="quarter" idx="12"/>
+          </p:nvPr>
+        </p:nvSpPr>
+        <p:spPr/>
+        <p:txBody>
+          <a:bodyPr/>
+          <a:lstStyle/>
+          <a:p>
+            <a:fld id="{B8DACC02-A2BD-4578-8E03-6D891060A695}" type="slidenum">
+              <a:rPr lang="en-US" smtClean="0"/>
+              <a:pPr/>
+              <a:t>17</a:t>
+            </a:fld>
+            <a:endParaRPr lang="en-US" dirty="0"/>
+          </a:p>
+        </p:txBody>
+      </p:sp>
+    </p:spTree>
+    <p:extLst>
+      <p:ext uri="{BB962C8B-B14F-4D97-AF65-F5344CB8AC3E}">
+        <p14:creationId xmlns:p14="http://schemas.microsoft.com/office/powerpoint/2010/main" val="2162390045"/>
+      </p:ext>
+    </p:extLst>
+  </p:cSld>
+  <p:clrMapOvr>
+    <a:masterClrMapping/>
+  </p:clrMapOvr>
+</p:sld>
+</file>
+
+<file path=ppt/slides/slide18.xml><?xml version="1.0" encoding="utf-8"?>
+<p:sld xmlns:a="http://schemas.openxmlformats.org/drawingml/2006/main" xmlns:r="http://schemas.openxmlformats.org/officeDocument/2006/relationships" xmlns:p="http://schemas.openxmlformats.org/presentationml/2006/main">
+  <p:cSld>
+    <p:spTree>
+      <p:nvGrpSpPr>
+        <p:cNvPr id="1" name=""/>
+        <p:cNvGrpSpPr/>
+        <p:nvPr/>
+      </p:nvGrpSpPr>
+      <p:grpSpPr>
+        <a:xfrm>
+          <a:off x="0" y="0"/>
+          <a:ext cx="0" cy="0"/>
+          <a:chOff x="0" y="0"/>
+          <a:chExt cx="0" cy="0"/>
+        </a:xfrm>
+      </p:grpSpPr>
+      <p:sp>
+        <p:nvSpPr>
+          <p:cNvPr id="2" name="Title 1"/>
+          <p:cNvSpPr>
+            <a:spLocks noGrp="1"/>
+          </p:cNvSpPr>
+          <p:nvPr>
+            <p:ph type="title"/>
+          </p:nvPr>
+        </p:nvSpPr>
+        <p:spPr/>
+        <p:txBody>
+          <a:bodyPr/>
+          <a:lstStyle/>
+          <a:p>
+            <a:r>
+              <a:rPr lang="en-US" dirty="0"/>
+              <a:t>Desirable Characteristics of a Design</a:t>
+            </a:r>
+          </a:p>
+        </p:txBody>
+      </p:sp>
+      <p:sp>
+        <p:nvSpPr>
+          <p:cNvPr id="3" name="Content Placeholder 2"/>
+          <p:cNvSpPr>
+            <a:spLocks noGrp="1"/>
+          </p:cNvSpPr>
+          <p:nvPr>
+            <p:ph idx="1"/>
+          </p:nvPr>
+        </p:nvSpPr>
+        <p:spPr/>
+        <p:txBody>
+          <a:bodyPr>
+            <a:normAutofit/>
+          </a:bodyPr>
+          <a:lstStyle/>
+          <a:p>
+            <a:pPr>
+              <a:lnSpc>
+                <a:spcPct val="100000"/>
+              </a:lnSpc>
+            </a:pPr>
+            <a:r>
+              <a:rPr lang="en-US" dirty="0"/>
+              <a:t>Low-to-medium </a:t>
+            </a:r>
+            <a:r>
+              <a:rPr lang="en-US" dirty="0" smtClean="0"/>
+              <a:t>fan-out</a:t>
+            </a:r>
+          </a:p>
+          <a:p>
+            <a:pPr lvl="1">
+              <a:lnSpc>
+                <a:spcPct val="100000"/>
+              </a:lnSpc>
+            </a:pPr>
+            <a:r>
+              <a:rPr lang="en-US" dirty="0" smtClean="0"/>
+              <a:t>A </a:t>
+            </a:r>
+            <a:r>
+              <a:rPr lang="en-US" dirty="0"/>
+              <a:t>design should have a low-to-medium number of classes used by a given class, avoiding high fan-out that may indicate complexity.</a:t>
+            </a:r>
+          </a:p>
+          <a:p>
+            <a:pPr>
+              <a:lnSpc>
+                <a:spcPct val="100000"/>
+              </a:lnSpc>
+            </a:pPr>
+            <a:r>
+              <a:rPr lang="en-US" dirty="0" smtClean="0"/>
+              <a:t>Portability</a:t>
+            </a:r>
+          </a:p>
+          <a:p>
+            <a:pPr lvl="1">
+              <a:lnSpc>
+                <a:spcPct val="100000"/>
+              </a:lnSpc>
+            </a:pPr>
+            <a:r>
+              <a:rPr lang="en-US" dirty="0" smtClean="0"/>
+              <a:t>A </a:t>
+            </a:r>
+            <a:r>
+              <a:rPr lang="en-US" dirty="0"/>
+              <a:t>design should be easy to move to another environment, minimizing environment-specific dependencies.</a:t>
+            </a:r>
+          </a:p>
+          <a:p>
+            <a:pPr>
+              <a:lnSpc>
+                <a:spcPct val="100000"/>
+              </a:lnSpc>
+            </a:pPr>
+            <a:r>
+              <a:rPr lang="en-US" dirty="0" smtClean="0"/>
+              <a:t>Leanness</a:t>
+            </a:r>
+          </a:p>
+          <a:p>
+            <a:pPr lvl="1">
+              <a:lnSpc>
+                <a:spcPct val="100000"/>
+              </a:lnSpc>
+            </a:pPr>
+            <a:r>
+              <a:rPr lang="en-US" dirty="0" smtClean="0"/>
+              <a:t>A </a:t>
+            </a:r>
+            <a:r>
+              <a:rPr lang="en-US" dirty="0"/>
+              <a:t>design should avoid unnecessary parts and code, minimizing the effort required for development, review, testing, and maintenance.</a:t>
+            </a:r>
+          </a:p>
+        </p:txBody>
+      </p:sp>
+      <p:sp>
+        <p:nvSpPr>
+          <p:cNvPr id="4" name="Slide Number Placeholder 3"/>
+          <p:cNvSpPr>
+            <a:spLocks noGrp="1"/>
+          </p:cNvSpPr>
+          <p:nvPr>
+            <p:ph type="sldNum" sz="quarter" idx="12"/>
+          </p:nvPr>
+        </p:nvSpPr>
+        <p:spPr/>
+        <p:txBody>
+          <a:bodyPr/>
+          <a:lstStyle/>
+          <a:p>
+            <a:fld id="{B8DACC02-A2BD-4578-8E03-6D891060A695}" type="slidenum">
+              <a:rPr lang="en-US" smtClean="0"/>
+              <a:pPr/>
+              <a:t>18</a:t>
+            </a:fld>
+            <a:endParaRPr lang="en-US" dirty="0"/>
+          </a:p>
+        </p:txBody>
+      </p:sp>
+    </p:spTree>
+    <p:extLst>
+      <p:ext uri="{BB962C8B-B14F-4D97-AF65-F5344CB8AC3E}">
+        <p14:creationId xmlns:p14="http://schemas.microsoft.com/office/powerpoint/2010/main" val="3973204995"/>
+      </p:ext>
+    </p:extLst>
+  </p:cSld>
+  <p:clrMapOvr>
+    <a:masterClrMapping/>
+  </p:clrMapOvr>
+</p:sld>
+</file>
+
+<file path=ppt/slides/slide19.xml><?xml version="1.0" encoding="utf-8"?>
+<p:sld xmlns:a="http://schemas.openxmlformats.org/drawingml/2006/main" xmlns:r="http://schemas.openxmlformats.org/officeDocument/2006/relationships" xmlns:p="http://schemas.openxmlformats.org/presentationml/2006/main">
+  <p:cSld>
+    <p:spTree>
+      <p:nvGrpSpPr>
+        <p:cNvPr id="1" name=""/>
+        <p:cNvGrpSpPr/>
+        <p:nvPr/>
+      </p:nvGrpSpPr>
+      <p:grpSpPr>
+        <a:xfrm>
+          <a:off x="0" y="0"/>
+          <a:ext cx="0" cy="0"/>
+          <a:chOff x="0" y="0"/>
+          <a:chExt cx="0" cy="0"/>
+        </a:xfrm>
+      </p:grpSpPr>
+      <p:sp>
+        <p:nvSpPr>
+          <p:cNvPr id="2" name="Title 1"/>
+          <p:cNvSpPr>
+            <a:spLocks noGrp="1"/>
+          </p:cNvSpPr>
+          <p:nvPr>
+            <p:ph type="title"/>
+          </p:nvPr>
+        </p:nvSpPr>
+        <p:spPr/>
+        <p:txBody>
+          <a:bodyPr/>
+          <a:lstStyle/>
+          <a:p>
+            <a:r>
+              <a:rPr lang="en-US" dirty="0"/>
+              <a:t>Desirable Characteristics of a Design</a:t>
+            </a:r>
+          </a:p>
+        </p:txBody>
+      </p:sp>
+      <p:sp>
+        <p:nvSpPr>
+          <p:cNvPr id="3" name="Content Placeholder 2"/>
+          <p:cNvSpPr>
+            <a:spLocks noGrp="1"/>
+          </p:cNvSpPr>
+          <p:nvPr>
+            <p:ph idx="1"/>
+          </p:nvPr>
+        </p:nvSpPr>
+        <p:spPr/>
+        <p:txBody>
+          <a:bodyPr>
+            <a:normAutofit/>
+          </a:bodyPr>
+          <a:lstStyle/>
+          <a:p>
+            <a:pPr>
+              <a:lnSpc>
+                <a:spcPct val="100000"/>
+              </a:lnSpc>
+            </a:pPr>
+            <a:r>
+              <a:rPr lang="en-US" dirty="0" smtClean="0"/>
+              <a:t>Stratification</a:t>
+            </a:r>
+          </a:p>
+          <a:p>
+            <a:pPr lvl="1">
+              <a:lnSpc>
+                <a:spcPct val="100000"/>
+              </a:lnSpc>
+            </a:pPr>
+            <a:r>
+              <a:rPr lang="en-US" dirty="0" smtClean="0"/>
+              <a:t>A </a:t>
+            </a:r>
+            <a:r>
+              <a:rPr lang="en-US" dirty="0"/>
+              <a:t>design should have clear levels of decomposition, allowing for a consistent view at each level without dipping into other levels.</a:t>
+            </a:r>
+          </a:p>
+          <a:p>
+            <a:pPr>
+              <a:lnSpc>
+                <a:spcPct val="100000"/>
+              </a:lnSpc>
+            </a:pPr>
+            <a:r>
+              <a:rPr lang="en-US" dirty="0" smtClean="0"/>
+              <a:t>Standard techniques</a:t>
+            </a:r>
+          </a:p>
+          <a:p>
+            <a:pPr lvl="1">
+              <a:lnSpc>
+                <a:spcPct val="100000"/>
+              </a:lnSpc>
+            </a:pPr>
+            <a:r>
+              <a:rPr lang="en-US" dirty="0" smtClean="0"/>
+              <a:t>A </a:t>
+            </a:r>
+            <a:r>
+              <a:rPr lang="en-US" dirty="0"/>
+              <a:t>design should utilize established, widely-used techniques and tools to create a familiar and easy-to-understand design.</a:t>
+            </a:r>
+          </a:p>
+        </p:txBody>
+      </p:sp>
+      <p:sp>
+        <p:nvSpPr>
+          <p:cNvPr id="4" name="Slide Number Placeholder 3"/>
+          <p:cNvSpPr>
+            <a:spLocks noGrp="1"/>
+          </p:cNvSpPr>
+          <p:nvPr>
+            <p:ph type="sldNum" sz="quarter" idx="12"/>
+          </p:nvPr>
+        </p:nvSpPr>
+        <p:spPr/>
+        <p:txBody>
+          <a:bodyPr/>
+          <a:lstStyle/>
+          <a:p>
+            <a:fld id="{B8DACC02-A2BD-4578-8E03-6D891060A695}" type="slidenum">
+              <a:rPr lang="en-US" smtClean="0"/>
+              <a:pPr/>
+              <a:t>19</a:t>
+            </a:fld>
+            <a:endParaRPr lang="en-US" dirty="0"/>
+          </a:p>
+        </p:txBody>
+      </p:sp>
+    </p:spTree>
+    <p:extLst>
+      <p:ext uri="{BB962C8B-B14F-4D97-AF65-F5344CB8AC3E}">
+        <p14:creationId xmlns:p14="http://schemas.microsoft.com/office/powerpoint/2010/main" val="3147299895"/>
+      </p:ext>
+    </p:extLst>
+  </p:cSld>
+  <p:clrMapOvr>
+    <a:masterClrMapping/>
+  </p:clrMapOvr>
+</p:sld>
+</file>
+
+<file path=ppt/slides/slide2.xml><?xml version="1.0" encoding="utf-8"?>
+<p:sld xmlns:a="http://schemas.openxmlformats.org/drawingml/2006/main" xmlns:r="http://schemas.openxmlformats.org/officeDocument/2006/relationships" xmlns:p="http://schemas.openxmlformats.org/presentationml/2006/main">
+  <p:cSld>
+    <p:spTree>
+      <p:nvGrpSpPr>
+        <p:cNvPr id="1" name=""/>
+        <p:cNvGrpSpPr/>
+        <p:nvPr/>
+      </p:nvGrpSpPr>
+      <p:grpSpPr>
+        <a:xfrm>
+          <a:off x="0" y="0"/>
+          <a:ext cx="0" cy="0"/>
+          <a:chOff x="0" y="0"/>
+          <a:chExt cx="0" cy="0"/>
+        </a:xfrm>
+      </p:grpSpPr>
+      <p:sp>
+        <p:nvSpPr>
+          <p:cNvPr id="2" name="Title 1"/>
+          <p:cNvSpPr>
+            <a:spLocks noGrp="1"/>
+          </p:cNvSpPr>
+          <p:nvPr>
+            <p:ph type="title"/>
+          </p:nvPr>
+        </p:nvSpPr>
+        <p:spPr/>
+        <p:txBody>
+          <a:bodyPr/>
+          <a:lstStyle/>
+          <a:p>
+            <a:r>
+              <a:rPr lang="en-US" dirty="0"/>
+              <a:t>Understanding Software Architecture</a:t>
+            </a:r>
+          </a:p>
+        </p:txBody>
+      </p:sp>
+      <p:sp>
+        <p:nvSpPr>
+          <p:cNvPr id="3" name="Content Placeholder 2"/>
+          <p:cNvSpPr>
+            <a:spLocks noGrp="1"/>
+          </p:cNvSpPr>
+          <p:nvPr>
+            <p:ph idx="1"/>
+          </p:nvPr>
+        </p:nvSpPr>
+        <p:spPr/>
+        <p:txBody>
+          <a:bodyPr>
+            <a:normAutofit/>
+          </a:bodyPr>
+          <a:lstStyle/>
+          <a:p>
+            <a:pPr>
+              <a:lnSpc>
+                <a:spcPct val="100000"/>
+              </a:lnSpc>
+            </a:pPr>
+            <a:r>
+              <a:rPr lang="en-US" dirty="0"/>
+              <a:t>Software </a:t>
+            </a:r>
+            <a:r>
+              <a:rPr lang="en-US" dirty="0" smtClean="0"/>
+              <a:t>architecture refers </a:t>
+            </a:r>
+            <a:r>
+              <a:rPr lang="en-US" dirty="0"/>
+              <a:t>to the high-level structure of a software system, including the components, interactions, and relationships between them. </a:t>
+            </a:r>
+            <a:endParaRPr lang="en-US" dirty="0" smtClean="0"/>
+          </a:p>
+          <a:p>
+            <a:pPr>
+              <a:lnSpc>
+                <a:spcPct val="100000"/>
+              </a:lnSpc>
+            </a:pPr>
+            <a:r>
+              <a:rPr lang="en-US" dirty="0" smtClean="0"/>
+              <a:t>It </a:t>
+            </a:r>
+            <a:r>
+              <a:rPr lang="en-US" dirty="0"/>
+              <a:t>provides a blueprint for the software system, which helps in understanding how the different parts of the system fit together and how they will work together to meet the requirements.</a:t>
+            </a:r>
+          </a:p>
+        </p:txBody>
+      </p:sp>
+      <p:sp>
+        <p:nvSpPr>
+          <p:cNvPr id="4" name="Slide Number Placeholder 3"/>
+          <p:cNvSpPr>
+            <a:spLocks noGrp="1"/>
+          </p:cNvSpPr>
+          <p:nvPr>
+            <p:ph type="sldNum" sz="quarter" idx="12"/>
+          </p:nvPr>
+        </p:nvSpPr>
+        <p:spPr/>
+        <p:txBody>
+          <a:bodyPr/>
+          <a:lstStyle/>
+          <a:p>
+            <a:fld id="{B8DACC02-A2BD-4578-8E03-6D891060A695}" type="slidenum">
+              <a:rPr lang="en-US" smtClean="0"/>
+              <a:pPr/>
+              <a:t>2</a:t>
+            </a:fld>
+            <a:endParaRPr lang="en-US" dirty="0"/>
+          </a:p>
+        </p:txBody>
+      </p:sp>
+    </p:spTree>
+    <p:extLst>
+      <p:ext uri="{BB962C8B-B14F-4D97-AF65-F5344CB8AC3E}">
+        <p14:creationId xmlns:p14="http://schemas.microsoft.com/office/powerpoint/2010/main" val="697714561"/>
+      </p:ext>
+    </p:extLst>
+  </p:cSld>
+  <p:clrMapOvr>
+    <a:masterClrMapping/>
+  </p:clrMapOvr>
+  <p:timing>
+    <p:tnLst>
+      <p:par>
+        <p:cTn id="1" dur="indefinite" restart="never" nodeType="tmRoot"/>
+      </p:par>
+    </p:tnLst>
+  </p:timing>
+</p:sld>
+</file>
+
+<file path=ppt/slides/slide20.xml><?xml version="1.0" encoding="utf-8"?>
+<p:sld xmlns:a="http://schemas.openxmlformats.org/drawingml/2006/main" xmlns:r="http://schemas.openxmlformats.org/officeDocument/2006/relationships" xmlns:p="http://schemas.openxmlformats.org/presentationml/2006/main">
+  <p:cSld>
+    <p:spTree>
+      <p:nvGrpSpPr>
+        <p:cNvPr id="1" name=""/>
+        <p:cNvGrpSpPr/>
+        <p:nvPr/>
+      </p:nvGrpSpPr>
+      <p:grpSpPr>
+        <a:xfrm>
+          <a:off x="0" y="0"/>
+          <a:ext cx="0" cy="0"/>
+          <a:chOff x="0" y="0"/>
+          <a:chExt cx="0" cy="0"/>
+        </a:xfrm>
+      </p:grpSpPr>
+      <p:sp>
+        <p:nvSpPr>
+          <p:cNvPr id="2" name="Title 1"/>
+          <p:cNvSpPr>
+            <a:spLocks noGrp="1"/>
+          </p:cNvSpPr>
+          <p:nvPr>
+            <p:ph type="title"/>
+          </p:nvPr>
+        </p:nvSpPr>
+        <p:spPr/>
+        <p:txBody>
           <a:bodyPr>
             <a:normAutofit/>
           </a:bodyPr>
@@ -5347,7 +6326,7 @@
             <a:fld id="{B8DACC02-A2BD-4578-8E03-6D891060A695}" type="slidenum">
               <a:rPr lang="en-US" smtClean="0"/>
               <a:pPr/>
-              <a:t>15</a:t>
+              <a:t>20</a:t>
             </a:fld>
             <a:endParaRPr lang="en-US" dirty="0"/>
           </a:p>
@@ -5407,7 +6386,7 @@
 </p:sld>
 </file>
 
-<file path=ppt/slides/slide16.xml><?xml version="1.0" encoding="utf-8"?>
+<file path=ppt/slides/slide21.xml><?xml version="1.0" encoding="utf-8"?>
 <p:sld xmlns:a="http://schemas.openxmlformats.org/drawingml/2006/main" xmlns:r="http://schemas.openxmlformats.org/officeDocument/2006/relationships" xmlns:p="http://schemas.openxmlformats.org/presentationml/2006/main">
   <p:cSld>
     <p:spTree>
@@ -5519,7 +6498,7 @@
             <a:fld id="{B8DACC02-A2BD-4578-8E03-6D891060A695}" type="slidenum">
               <a:rPr lang="en-US" smtClean="0"/>
               <a:pPr/>
-              <a:t>16</a:t>
+              <a:t>21</a:t>
             </a:fld>
             <a:endParaRPr lang="en-US" dirty="0"/>
           </a:p>
@@ -5538,7 +6517,7 @@
 </p:sld>
 </file>
 
-<file path=ppt/slides/slide17.xml><?xml version="1.0" encoding="utf-8"?>
+<file path=ppt/slides/slide22.xml><?xml version="1.0" encoding="utf-8"?>
 <p:sld xmlns:a="http://schemas.openxmlformats.org/drawingml/2006/main" xmlns:r="http://schemas.openxmlformats.org/officeDocument/2006/relationships" xmlns:p="http://schemas.openxmlformats.org/presentationml/2006/main">
   <p:cSld>
     <p:spTree>
@@ -5628,7 +6607,7 @@
             <a:fld id="{B8DACC02-A2BD-4578-8E03-6D891060A695}" type="slidenum">
               <a:rPr lang="en-US" smtClean="0"/>
               <a:pPr/>
-              <a:t>17</a:t>
+              <a:t>22</a:t>
             </a:fld>
             <a:endParaRPr lang="en-US" dirty="0"/>
           </a:p>
@@ -5647,7 +6626,7 @@
 </p:sld>
 </file>
 
-<file path=ppt/slides/slide18.xml><?xml version="1.0" encoding="utf-8"?>
+<file path=ppt/slides/slide23.xml><?xml version="1.0" encoding="utf-8"?>
 <p:sld xmlns:a="http://schemas.openxmlformats.org/drawingml/2006/main" xmlns:r="http://schemas.openxmlformats.org/officeDocument/2006/relationships" xmlns:p="http://schemas.openxmlformats.org/presentationml/2006/main">
   <p:cSld>
     <p:spTree>
@@ -5682,7 +6661,7 @@
             <a:fld id="{B8DACC02-A2BD-4578-8E03-6D891060A695}" type="slidenum">
               <a:rPr lang="en-US" smtClean="0"/>
               <a:pPr/>
-              <a:t>18</a:t>
+              <a:t>23</a:t>
             </a:fld>
             <a:endParaRPr lang="en-US" dirty="0"/>
           </a:p>
@@ -5742,7 +6721,7 @@
 </p:sld>
 </file>
 
-<file path=ppt/slides/slide19.xml><?xml version="1.0" encoding="utf-8"?>
+<file path=ppt/slides/slide24.xml><?xml version="1.0" encoding="utf-8"?>
 <p:sld xmlns:a="http://schemas.openxmlformats.org/drawingml/2006/main" xmlns:r="http://schemas.openxmlformats.org/officeDocument/2006/relationships" xmlns:p="http://schemas.openxmlformats.org/presentationml/2006/main">
   <p:cSld>
     <p:spTree>
@@ -5776,7 +6755,7 @@
           <a:p>
             <a:fld id="{B8DACC02-A2BD-4578-8E03-6D891060A695}" type="slidenum">
               <a:rPr lang="en-US" smtClean="0"/>
-              <a:t>19</a:t>
+              <a:t>24</a:t>
             </a:fld>
             <a:endParaRPr lang="en-US"/>
           </a:p>
@@ -5825,144 +6804,6 @@
 </p:sld>
 </file>
 
-<file path=ppt/slides/slide2.xml><?xml version="1.0" encoding="utf-8"?>
-<p:sld xmlns:a="http://schemas.openxmlformats.org/drawingml/2006/main" xmlns:r="http://schemas.openxmlformats.org/officeDocument/2006/relationships" xmlns:p="http://schemas.openxmlformats.org/presentationml/2006/main">
-  <p:cSld>
-    <p:spTree>
-      <p:nvGrpSpPr>
-        <p:cNvPr id="1" name=""/>
-        <p:cNvGrpSpPr/>
-        <p:nvPr/>
-      </p:nvGrpSpPr>
-      <p:grpSpPr>
-        <a:xfrm>
-          <a:off x="0" y="0"/>
-          <a:ext cx="0" cy="0"/>
-          <a:chOff x="0" y="0"/>
-          <a:chExt cx="0" cy="0"/>
-        </a:xfrm>
-      </p:grpSpPr>
-      <p:sp>
-        <p:nvSpPr>
-          <p:cNvPr id="2" name="Title 1"/>
-          <p:cNvSpPr>
-            <a:spLocks noGrp="1"/>
-          </p:cNvSpPr>
-          <p:nvPr>
-            <p:ph type="title"/>
-          </p:nvPr>
-        </p:nvSpPr>
-        <p:spPr/>
-        <p:txBody>
-          <a:bodyPr/>
-          <a:lstStyle/>
-          <a:p>
-            <a:r>
-              <a:rPr lang="en-US" dirty="0"/>
-              <a:t>Understanding Software Architecture</a:t>
-            </a:r>
-            <a:endParaRPr lang="en-US" dirty="0"/>
-          </a:p>
-        </p:txBody>
-      </p:sp>
-      <p:sp>
-        <p:nvSpPr>
-          <p:cNvPr id="3" name="Content Placeholder 2"/>
-          <p:cNvSpPr>
-            <a:spLocks noGrp="1"/>
-          </p:cNvSpPr>
-          <p:nvPr>
-            <p:ph idx="1"/>
-          </p:nvPr>
-        </p:nvSpPr>
-        <p:spPr/>
-        <p:txBody>
-          <a:bodyPr>
-            <a:normAutofit/>
-          </a:bodyPr>
-          <a:lstStyle/>
-          <a:p>
-            <a:pPr>
-              <a:lnSpc>
-                <a:spcPct val="100000"/>
-              </a:lnSpc>
-            </a:pPr>
-            <a:r>
-              <a:rPr lang="en-US" dirty="0"/>
-              <a:t>Software </a:t>
-            </a:r>
-            <a:r>
-              <a:rPr lang="en-US" dirty="0" smtClean="0"/>
-              <a:t>architecture refers </a:t>
-            </a:r>
-            <a:r>
-              <a:rPr lang="en-US" dirty="0"/>
-              <a:t>to the high-level structure of a software system, including the components, interactions, and relationships between them. </a:t>
-            </a:r>
-            <a:endParaRPr lang="en-US" dirty="0" smtClean="0"/>
-          </a:p>
-          <a:p>
-            <a:pPr>
-              <a:lnSpc>
-                <a:spcPct val="100000"/>
-              </a:lnSpc>
-            </a:pPr>
-            <a:r>
-              <a:rPr lang="en-US" dirty="0" smtClean="0"/>
-              <a:t>It </a:t>
-            </a:r>
-            <a:r>
-              <a:rPr lang="en-US" dirty="0"/>
-              <a:t>provides a blueprint for the software system, which helps in understanding how the different parts of the system fit together and how they will work together to meet the requirements.</a:t>
-            </a:r>
-            <a:endParaRPr lang="en-US" dirty="0"/>
-          </a:p>
-        </p:txBody>
-      </p:sp>
-      <p:sp>
-        <p:nvSpPr>
-          <p:cNvPr id="4" name="Slide Number Placeholder 3"/>
-          <p:cNvSpPr>
-            <a:spLocks noGrp="1"/>
-          </p:cNvSpPr>
-          <p:nvPr>
-            <p:ph type="sldNum" sz="quarter" idx="12"/>
-          </p:nvPr>
-        </p:nvSpPr>
-        <p:spPr/>
-        <p:txBody>
-          <a:bodyPr/>
-          <a:lstStyle/>
-          <a:p>
-            <a:fld id="{B8DACC02-A2BD-4578-8E03-6D891060A695}" type="slidenum">
-              <a:rPr lang="en-US" smtClean="0"/>
-              <a:pPr/>
-              <a:t>2</a:t>
-            </a:fld>
-            <a:endParaRPr lang="en-US" dirty="0"/>
-          </a:p>
-        </p:txBody>
-      </p:sp>
-    </p:spTree>
-    <p:extLst>
-      <p:ext uri="{BB962C8B-B14F-4D97-AF65-F5344CB8AC3E}">
-        <p14:creationId xmlns:p14="http://schemas.microsoft.com/office/powerpoint/2010/main" val="697714561"/>
-      </p:ext>
-    </p:extLst>
-  </p:cSld>
-  <p:clrMapOvr>
-    <a:masterClrMapping/>
-  </p:clrMapOvr>
-  <p:timing>
-    <p:tnLst>
-      <p:par>
-        <p:cTn id="1" dur="indefinite" restart="never" nodeType="tmRoot"/>
-      </p:par>
-    </p:tnLst>
-  </p:timing>
-</p:sld>
-</file>
-
 <file path=ppt/slides/slide3.xml><?xml version="1.0" encoding="utf-8"?>
 <p:sld xmlns:a="http://schemas.openxmlformats.org/drawingml/2006/main" xmlns:r="http://schemas.openxmlformats.org/officeDocument/2006/relationships" xmlns:p="http://schemas.openxmlformats.org/presentationml/2006/main">
   <p:cSld>
@@ -5999,7 +6840,6 @@
               <a:rPr lang="en-US" dirty="0"/>
               <a:t>Understanding Software Architecture</a:t>
             </a:r>
-            <a:endParaRPr lang="en-US" dirty="0"/>
           </a:p>
         </p:txBody>
       </p:sp>
@@ -6066,7 +6906,6 @@
               <a:rPr lang="en-US" dirty="0"/>
               <a:t>Properties: The individual and collective characteristics of components and their relationships, such as performance, security, and usability.</a:t>
             </a:r>
-            <a:endParaRPr lang="en-US" dirty="0"/>
           </a:p>
         </p:txBody>
       </p:sp>
@@ -6150,7 +6989,6 @@
               <a:rPr lang="en-US" dirty="0"/>
               <a:t>Why is Software Architecture Important?</a:t>
             </a:r>
-            <a:endParaRPr lang="en-US" dirty="0"/>
           </a:p>
         </p:txBody>
       </p:sp>
@@ -6248,7 +7086,6 @@
               <a:rPr lang="en-US" dirty="0"/>
               <a:t>Future-Proofing: It makes future changes and enhancements more manageable by providing a clear structure and roadmap.</a:t>
             </a:r>
-            <a:endParaRPr lang="en-US" dirty="0"/>
           </a:p>
         </p:txBody>
       </p:sp>

--- a/SE499/Lectures/4/Architecture and Design.pptx
+++ b/SE499/Lectures/4/Architecture and Design.pptx
@@ -5,7 +5,7 @@
     <p:sldMasterId id="2147483648" r:id="rId1"/>
   </p:sldMasterIdLst>
   <p:notesMasterIdLst>
-    <p:notesMasterId r:id="rId26"/>
+    <p:notesMasterId r:id="rId27"/>
   </p:notesMasterIdLst>
   <p:sldIdLst>
     <p:sldId id="256" r:id="rId2"/>
@@ -32,6 +32,7 @@
     <p:sldId id="795" r:id="rId23"/>
     <p:sldId id="796" r:id="rId24"/>
     <p:sldId id="797" r:id="rId25"/>
+    <p:sldId id="803" r:id="rId26"/>
   </p:sldIdLst>
   <p:sldSz cx="12192000" cy="6858000"/>
   <p:notesSz cx="6858000" cy="9144000"/>
@@ -249,7 +250,7 @@
           <a:p>
             <a:fld id="{41DA9887-9249-49FD-809A-BACB264048C3}" type="datetimeFigureOut">
               <a:rPr lang="en-US" smtClean="0"/>
-              <a:t>9/9/2023</a:t>
+              <a:t>1/28/2024</a:t>
             </a:fld>
             <a:endParaRPr lang="en-US"/>
           </a:p>
@@ -651,7 +652,7 @@
           <a:p>
             <a:fld id="{EF213E56-3C1A-435A-851B-5B1F221C2038}" type="datetime1">
               <a:rPr lang="en-US" smtClean="0"/>
-              <a:t>9/9/2023</a:t>
+              <a:t>1/28/2024</a:t>
             </a:fld>
             <a:endParaRPr lang="en-US"/>
           </a:p>
@@ -930,7 +931,7 @@
           <a:p>
             <a:fld id="{B4696837-4851-4AA6-8AED-554226C981D1}" type="datetime1">
               <a:rPr lang="en-US" smtClean="0"/>
-              <a:t>9/9/2023</a:t>
+              <a:t>1/28/2024</a:t>
             </a:fld>
             <a:endParaRPr lang="en-US"/>
           </a:p>
@@ -1108,7 +1109,7 @@
           <a:p>
             <a:fld id="{BADD32E1-BB70-4827-BA33-FF5AFC435BE9}" type="datetime1">
               <a:rPr lang="en-US" smtClean="0"/>
-              <a:t>9/9/2023</a:t>
+              <a:t>1/28/2024</a:t>
             </a:fld>
             <a:endParaRPr lang="en-US"/>
           </a:p>
@@ -1207,10 +1208,9 @@
           <a:lstStyle/>
           <a:p>
             <a:r>
-              <a:rPr lang="en-US" smtClean="0"/>
+              <a:rPr lang="en-US"/>
               <a:t>Click to edit Master title style</a:t>
             </a:r>
-            <a:endParaRPr lang="en-US"/>
           </a:p>
         </p:txBody>
       </p:sp>
@@ -1236,38 +1236,37 @@
           <a:p>
             <a:pPr lvl="0"/>
             <a:r>
-              <a:rPr lang="en-US" smtClean="0"/>
+              <a:rPr lang="en-US"/>
               <a:t>Click to edit Master text styles</a:t>
             </a:r>
           </a:p>
           <a:p>
             <a:pPr lvl="1"/>
             <a:r>
-              <a:rPr lang="en-US" smtClean="0"/>
+              <a:rPr lang="en-US"/>
               <a:t>Second level</a:t>
             </a:r>
           </a:p>
           <a:p>
             <a:pPr lvl="2"/>
             <a:r>
-              <a:rPr lang="en-US" smtClean="0"/>
+              <a:rPr lang="en-US"/>
               <a:t>Third level</a:t>
             </a:r>
           </a:p>
           <a:p>
             <a:pPr lvl="3"/>
             <a:r>
-              <a:rPr lang="en-US" smtClean="0"/>
+              <a:rPr lang="en-US"/>
               <a:t>Fourth level</a:t>
             </a:r>
           </a:p>
           <a:p>
             <a:pPr lvl="4"/>
             <a:r>
-              <a:rPr lang="en-US" smtClean="0"/>
+              <a:rPr lang="en-US"/>
               <a:t>Fifth level</a:t>
             </a:r>
-            <a:endParaRPr lang="en-US"/>
           </a:p>
         </p:txBody>
       </p:sp>
@@ -1293,38 +1292,37 @@
           <a:p>
             <a:pPr lvl="0"/>
             <a:r>
-              <a:rPr lang="en-US" smtClean="0"/>
+              <a:rPr lang="en-US"/>
               <a:t>Click to edit Master text styles</a:t>
             </a:r>
           </a:p>
           <a:p>
             <a:pPr lvl="1"/>
             <a:r>
-              <a:rPr lang="en-US" smtClean="0"/>
+              <a:rPr lang="en-US"/>
               <a:t>Second level</a:t>
             </a:r>
           </a:p>
           <a:p>
             <a:pPr lvl="2"/>
             <a:r>
-              <a:rPr lang="en-US" smtClean="0"/>
+              <a:rPr lang="en-US"/>
               <a:t>Third level</a:t>
             </a:r>
           </a:p>
           <a:p>
             <a:pPr lvl="3"/>
             <a:r>
-              <a:rPr lang="en-US" smtClean="0"/>
+              <a:rPr lang="en-US"/>
               <a:t>Fourth level</a:t>
             </a:r>
           </a:p>
           <a:p>
             <a:pPr lvl="4"/>
             <a:r>
-              <a:rPr lang="en-US" smtClean="0"/>
+              <a:rPr lang="en-US"/>
               <a:t>Fifth level</a:t>
             </a:r>
-            <a:endParaRPr lang="en-US"/>
           </a:p>
         </p:txBody>
       </p:sp>
@@ -1354,7 +1352,7 @@
             </a:pPr>
             <a:fld id="{40B9EAF6-54F2-4DF5-9C6B-3F6F95B86356}" type="datetime1">
               <a:rPr lang="en-US" smtClean="0"/>
-              <a:t>9/9/2023</a:t>
+              <a:t>1/28/2024</a:t>
             </a:fld>
             <a:endParaRPr lang="en-US"/>
           </a:p>
@@ -1477,10 +1475,9 @@
           <a:lstStyle/>
           <a:p>
             <a:r>
-              <a:rPr lang="en-US" smtClean="0"/>
+              <a:rPr lang="en-US"/>
               <a:t>Click to edit Master title style</a:t>
             </a:r>
-            <a:endParaRPr lang="en-US"/>
           </a:p>
         </p:txBody>
       </p:sp>
@@ -1505,7 +1502,7 @@
           <a:lstStyle/>
           <a:p>
             <a:pPr lvl="0"/>
-            <a:endParaRPr lang="en-US" noProof="0" dirty="0" smtClean="0"/>
+            <a:endParaRPr lang="en-US" noProof="0" dirty="0"/>
           </a:p>
         </p:txBody>
       </p:sp>
@@ -1535,7 +1532,7 @@
             </a:pPr>
             <a:fld id="{D3D64A56-6FF4-479A-8655-719A18A98C4B}" type="datetime1">
               <a:rPr lang="en-US" smtClean="0"/>
-              <a:t>9/9/2023</a:t>
+              <a:t>1/28/2024</a:t>
             </a:fld>
             <a:endParaRPr lang="en-US"/>
           </a:p>
@@ -1813,7 +1810,7 @@
           <a:p>
             <a:fld id="{BB961044-FC46-4CBC-9061-59528F4899F3}" type="datetime1">
               <a:rPr lang="en-US" smtClean="0"/>
-              <a:t>9/9/2023</a:t>
+              <a:t>1/28/2024</a:t>
             </a:fld>
             <a:endParaRPr lang="en-US"/>
           </a:p>
@@ -2157,7 +2154,7 @@
           <a:p>
             <a:fld id="{4466A08C-77F3-471E-A5C4-1D2068144BAC}" type="datetime1">
               <a:rPr lang="en-US" smtClean="0"/>
-              <a:t>9/9/2023</a:t>
+              <a:t>1/28/2024</a:t>
             </a:fld>
             <a:endParaRPr lang="en-US"/>
           </a:p>
@@ -2386,7 +2383,7 @@
           <a:p>
             <a:fld id="{B90A7AD1-16F4-44C3-AE32-24C59A599E9D}" type="datetime1">
               <a:rPr lang="en-US" smtClean="0"/>
-              <a:t>9/9/2023</a:t>
+              <a:t>1/28/2024</a:t>
             </a:fld>
             <a:endParaRPr lang="en-US"/>
           </a:p>
@@ -2750,7 +2747,7 @@
           <a:p>
             <a:fld id="{B583DB4F-4316-4DF5-A229-BC1D787C82A0}" type="datetime1">
               <a:rPr lang="en-US" smtClean="0"/>
-              <a:t>9/9/2023</a:t>
+              <a:t>1/28/2024</a:t>
             </a:fld>
             <a:endParaRPr lang="en-US"/>
           </a:p>
@@ -2845,7 +2842,7 @@
           <a:p>
             <a:fld id="{AE6064B7-7A9F-432D-B7B9-6824267AA574}" type="datetime1">
               <a:rPr lang="en-US" smtClean="0"/>
-              <a:t>9/9/2023</a:t>
+              <a:t>1/28/2024</a:t>
             </a:fld>
             <a:endParaRPr lang="en-US"/>
           </a:p>
@@ -3067,7 +3064,7 @@
             <a:fld id="{B2F5E2FA-C428-4CE7-95B0-168D3259A5BB}" type="datetimeFigureOut">
               <a:rPr lang="en-US" smtClean="0"/>
               <a:pPr/>
-              <a:t>9/9/2023</a:t>
+              <a:t>1/28/2024</a:t>
             </a:fld>
             <a:endParaRPr lang="en-US"/>
           </a:p>
@@ -3238,7 +3235,7 @@
           <a:p>
             <a:fld id="{4E1C93A2-B712-486A-8AB5-D41B95D547BE}" type="datetime1">
               <a:rPr lang="en-US" smtClean="0"/>
-              <a:t>9/9/2023</a:t>
+              <a:t>1/28/2024</a:t>
             </a:fld>
             <a:endParaRPr lang="en-US"/>
           </a:p>
@@ -3513,7 +3510,7 @@
           <a:p>
             <a:fld id="{CAB2F318-F19F-4608-B7EF-F7FB8A482213}" type="datetime1">
               <a:rPr lang="en-US" smtClean="0"/>
-              <a:t>9/9/2023</a:t>
+              <a:t>1/28/2024</a:t>
             </a:fld>
             <a:endParaRPr lang="en-US"/>
           </a:p>
@@ -3765,7 +3762,7 @@
           <a:p>
             <a:fld id="{BB9CEF8C-69D6-4C3E-B892-F682F307A7B6}" type="datetime1">
               <a:rPr lang="en-US" smtClean="0"/>
-              <a:t>9/9/2023</a:t>
+              <a:t>1/28/2024</a:t>
             </a:fld>
             <a:endParaRPr lang="en-US"/>
           </a:p>
@@ -3976,7 +3973,7 @@
           <a:p>
             <a:fld id="{FB737C73-4A31-4C17-AFB7-7B8470027787}" type="datetime1">
               <a:rPr lang="en-US" smtClean="0"/>
-              <a:t>9/9/2023</a:t>
+              <a:t>1/28/2024</a:t>
             </a:fld>
             <a:endParaRPr lang="en-US"/>
           </a:p>
@@ -4083,13 +4080,6 @@
     <p:sldLayoutId id="2147483660" r:id="rId12"/>
     <p:sldLayoutId id="2147483661" r:id="rId13"/>
   </p:sldLayoutIdLst>
-  <p:timing>
-    <p:tnLst>
-      <p:par>
-        <p:cTn id="1" dur="indefinite" restart="never" nodeType="tmRoot"/>
-      </p:par>
-    </p:tnLst>
-  </p:timing>
   <p:hf hdr="0" ftr="0" dt="0"/>
   <p:txStyles>
     <p:titleStyle>
@@ -4412,10 +4402,9 @@
           <a:lstStyle/>
           <a:p>
             <a:r>
-              <a:rPr lang="en-US" dirty="0" smtClean="0"/>
+              <a:rPr lang="en-US" dirty="0"/>
               <a:t>Architecture and Design</a:t>
             </a:r>
-            <a:endParaRPr lang="en-US" dirty="0"/>
           </a:p>
         </p:txBody>
       </p:sp>
@@ -4442,12 +4431,8 @@
           <a:lstStyle/>
           <a:p>
             <a:r>
-              <a:rPr lang="en-US" sz="2800" dirty="0" smtClean="0"/>
-              <a:t>SE499</a:t>
-            </a:r>
-            <a:r>
               <a:rPr lang="en-US" sz="2800" dirty="0"/>
-              <a:t>: Software Design &amp; Development Project</a:t>
+              <a:t>SE499: Software Design &amp; Development Project</a:t>
             </a:r>
           </a:p>
         </p:txBody>
@@ -4485,13 +4470,6 @@
   <p:clrMapOvr>
     <a:masterClrMapping/>
   </p:clrMapOvr>
-  <p:timing>
-    <p:tnLst>
-      <p:par>
-        <p:cTn id="1" dur="indefinite" restart="never" nodeType="tmRoot"/>
-      </p:par>
-    </p:tnLst>
-  </p:timing>
 </p:sld>
 </file>
 
@@ -4529,13 +4507,8 @@
           <a:p>
             <a:r>
               <a:rPr lang="en-US" dirty="0"/>
-              <a:t>Software </a:t>
-            </a:r>
-            <a:r>
-              <a:rPr lang="en-US" dirty="0" smtClean="0"/>
-              <a:t>architecture characteristics </a:t>
-            </a:r>
-            <a:endParaRPr lang="en-US" dirty="0"/>
+              <a:t>Software architecture characteristics </a:t>
+            </a:r>
           </a:p>
         </p:txBody>
       </p:sp>
@@ -4556,65 +4529,56 @@
           <a:p>
             <a:r>
               <a:rPr lang="en-US" dirty="0"/>
-              <a:t>Aligning Architecture with Business </a:t>
-            </a:r>
-            <a:r>
-              <a:rPr lang="en-US" dirty="0" smtClean="0"/>
-              <a:t>Goals</a:t>
-            </a:r>
-          </a:p>
-          <a:p>
-            <a:r>
-              <a:rPr lang="en-US" dirty="0" smtClean="0"/>
+              <a:t>Aligning Architecture with Business Goals</a:t>
+            </a:r>
+          </a:p>
+          <a:p>
+            <a:r>
+              <a:rPr lang="en-US" dirty="0"/>
               <a:t>Scalability</a:t>
             </a:r>
           </a:p>
           <a:p>
             <a:r>
-              <a:rPr lang="en-US" dirty="0" smtClean="0"/>
+              <a:rPr lang="en-US" dirty="0"/>
               <a:t>Maintainability</a:t>
             </a:r>
           </a:p>
           <a:p>
             <a:r>
-              <a:rPr lang="en-US" dirty="0" smtClean="0"/>
+              <a:rPr lang="en-US" dirty="0"/>
               <a:t>Extensibility</a:t>
             </a:r>
           </a:p>
           <a:p>
             <a:r>
-              <a:rPr lang="en-US" dirty="0" smtClean="0"/>
+              <a:rPr lang="en-US" dirty="0"/>
               <a:t>Flexibility</a:t>
             </a:r>
           </a:p>
           <a:p>
             <a:r>
               <a:rPr lang="en-US" dirty="0"/>
-              <a:t>Performance </a:t>
-            </a:r>
-            <a:r>
-              <a:rPr lang="en-US" dirty="0" smtClean="0"/>
-              <a:t>Efficiency</a:t>
-            </a:r>
-          </a:p>
-          <a:p>
-            <a:r>
-              <a:rPr lang="en-US" dirty="0" smtClean="0"/>
+              <a:t>Performance Efficiency</a:t>
+            </a:r>
+          </a:p>
+          <a:p>
+            <a:r>
+              <a:rPr lang="en-US" dirty="0"/>
               <a:t>Security</a:t>
             </a:r>
           </a:p>
           <a:p>
             <a:r>
-              <a:rPr lang="en-US" dirty="0" smtClean="0"/>
+              <a:rPr lang="en-US" dirty="0"/>
               <a:t>Usability</a:t>
             </a:r>
           </a:p>
           <a:p>
             <a:r>
-              <a:rPr lang="en-US" dirty="0" smtClean="0"/>
+              <a:rPr lang="en-US" dirty="0"/>
               <a:t>Reusability</a:t>
             </a:r>
-            <a:endParaRPr lang="en-US" dirty="0"/>
           </a:p>
         </p:txBody>
       </p:sp>
@@ -4713,16 +4677,11 @@
               <a:rPr lang="en-US" dirty="0"/>
               <a:t>Software design refers to the process of creating a plan, blueprint, or architecture for a software system. </a:t>
             </a:r>
-            <a:endParaRPr lang="en-US" dirty="0" smtClean="0"/>
-          </a:p>
-          <a:p>
-            <a:r>
-              <a:rPr lang="en-US" dirty="0" smtClean="0"/>
-              <a:t>It </a:t>
-            </a:r>
-            <a:r>
-              <a:rPr lang="en-US" dirty="0"/>
-              <a:t>involves making decisions about the structure, functionality, and behavior of the system, as well as the algorithms and data structures that will be used to implement it.</a:t>
+          </a:p>
+          <a:p>
+            <a:r>
+              <a:rPr lang="en-US" dirty="0"/>
+              <a:t>It involves making decisions about the structure, functionality, and behavior of the system, as well as the algorithms and data structures that will be used to implement it.</a:t>
             </a:r>
           </a:p>
         </p:txBody>
@@ -4824,27 +4783,18 @@
               <a:rPr lang="en-US" dirty="0"/>
               <a:t>Software design is a critical step in the software development process, as it helps ensure that the system is developed efficiently, effectively, and meets the requirements of its users. </a:t>
             </a:r>
-            <a:endParaRPr lang="en-US" dirty="0" smtClean="0"/>
-          </a:p>
-          <a:p>
-            <a:r>
-              <a:rPr lang="en-US" dirty="0" smtClean="0"/>
-              <a:t>It </a:t>
-            </a:r>
-            <a:r>
-              <a:rPr lang="en-US" dirty="0"/>
-              <a:t>involves a series of activities, including:</a:t>
+          </a:p>
+          <a:p>
+            <a:r>
+              <a:rPr lang="en-US" dirty="0"/>
+              <a:t>It involves a series of activities, including:</a:t>
             </a:r>
           </a:p>
           <a:p>
             <a:pPr lvl="1"/>
             <a:r>
-              <a:rPr lang="en-US" dirty="0" smtClean="0"/>
-              <a:t>Defining </a:t>
-            </a:r>
-            <a:r>
-              <a:rPr lang="en-US" dirty="0"/>
-              <a:t>the system's requirements and constraints</a:t>
+              <a:rPr lang="en-US" dirty="0"/>
+              <a:t>Defining the system's requirements and constraints</a:t>
             </a:r>
           </a:p>
           <a:p>
@@ -4972,22 +4922,18 @@
           <a:p>
             <a:r>
               <a:rPr lang="en-US" dirty="0"/>
-              <a:t>Separation of </a:t>
-            </a:r>
-            <a:r>
-              <a:rPr lang="en-US" dirty="0" smtClean="0"/>
-              <a:t>concerns</a:t>
-            </a:r>
-          </a:p>
-          <a:p>
-            <a:r>
-              <a:rPr lang="en-US" dirty="0" smtClean="0"/>
+              <a:t>Separation of concerns</a:t>
+            </a:r>
+          </a:p>
+          <a:p>
+            <a:r>
+              <a:rPr lang="en-US" dirty="0"/>
               <a:t>Modularity</a:t>
             </a:r>
           </a:p>
           <a:p>
             <a:r>
-              <a:rPr lang="en-US" dirty="0" smtClean="0"/>
+              <a:rPr lang="en-US" dirty="0"/>
               <a:t>Abstraction</a:t>
             </a:r>
           </a:p>
@@ -4996,41 +4942,23 @@
               <a:rPr lang="en-US" dirty="0"/>
               <a:t>SOLID principles</a:t>
             </a:r>
-            <a:endParaRPr lang="en-US" dirty="0" smtClean="0"/>
-          </a:p>
-          <a:p>
-            <a:r>
-              <a:rPr lang="en-US" dirty="0" smtClean="0"/>
-              <a:t>Don't </a:t>
-            </a:r>
-            <a:r>
-              <a:rPr lang="en-US" dirty="0"/>
-              <a:t>repeat yourself (DRY</a:t>
-            </a:r>
-            <a:r>
-              <a:rPr lang="en-US" dirty="0" smtClean="0"/>
-              <a:t>)</a:t>
-            </a:r>
-            <a:endParaRPr lang="en-US" dirty="0"/>
-          </a:p>
-          <a:p>
-            <a:r>
-              <a:rPr lang="en-US" dirty="0"/>
-              <a:t>KISS (Keep it simple, stupid</a:t>
-            </a:r>
-            <a:r>
-              <a:rPr lang="en-US" dirty="0" smtClean="0"/>
-              <a:t>)</a:t>
-            </a:r>
-          </a:p>
-          <a:p>
-            <a:r>
-              <a:rPr lang="en-US" dirty="0" smtClean="0"/>
-              <a:t>YAGNI </a:t>
-            </a:r>
-            <a:r>
-              <a:rPr lang="en-US" dirty="0"/>
-              <a:t>(You </a:t>
+          </a:p>
+          <a:p>
+            <a:r>
+              <a:rPr lang="en-US" dirty="0"/>
+              <a:t>Don't repeat yourself (DRY)</a:t>
+            </a:r>
+          </a:p>
+          <a:p>
+            <a:r>
+              <a:rPr lang="en-US" dirty="0"/>
+              <a:t>KISS (Keep it simple, stupid)</a:t>
+            </a:r>
+          </a:p>
+          <a:p>
+            <a:r>
+              <a:rPr lang="en-US" dirty="0"/>
+              <a:t>YAGNI (You </a:t>
             </a:r>
             <a:r>
               <a:rPr lang="en-US" dirty="0" err="1"/>
@@ -5046,24 +4974,14 @@
             </a:r>
             <a:r>
               <a:rPr lang="en-US" dirty="0"/>
-              <a:t> need it</a:t>
-            </a:r>
-            <a:r>
-              <a:rPr lang="en-US" dirty="0" smtClean="0"/>
-              <a:t>)</a:t>
-            </a:r>
-            <a:endParaRPr lang="en-US" dirty="0"/>
-          </a:p>
-          <a:p>
-            <a:r>
-              <a:rPr lang="en-US" dirty="0"/>
-              <a:t>Test-driven development (TDD</a:t>
-            </a:r>
-            <a:r>
-              <a:rPr lang="en-US" dirty="0" smtClean="0"/>
-              <a:t>)</a:t>
-            </a:r>
-            <a:endParaRPr lang="en-US" dirty="0"/>
+              <a:t> need it)</a:t>
+            </a:r>
+          </a:p>
+          <a:p>
+            <a:r>
+              <a:rPr lang="en-US" dirty="0"/>
+              <a:t>Test-driven development (TDD)</a:t>
+            </a:r>
           </a:p>
           <a:p>
             <a:endParaRPr lang="en-US" dirty="0"/>
@@ -5165,22 +5083,18 @@
           <a:p>
             <a:r>
               <a:rPr lang="en-US" dirty="0"/>
-              <a:t>Separation of </a:t>
-            </a:r>
-            <a:r>
-              <a:rPr lang="en-US" dirty="0" smtClean="0"/>
-              <a:t>concerns</a:t>
-            </a:r>
-          </a:p>
-          <a:p>
-            <a:r>
-              <a:rPr lang="en-US" dirty="0" smtClean="0"/>
+              <a:t>Separation of concerns</a:t>
+            </a:r>
+          </a:p>
+          <a:p>
+            <a:r>
+              <a:rPr lang="en-US" dirty="0"/>
               <a:t>Modularity</a:t>
             </a:r>
           </a:p>
           <a:p>
             <a:r>
-              <a:rPr lang="en-US" dirty="0" smtClean="0"/>
+              <a:rPr lang="en-US" dirty="0"/>
               <a:t>Abstraction</a:t>
             </a:r>
           </a:p>
@@ -5189,41 +5103,23 @@
               <a:rPr lang="en-US" dirty="0"/>
               <a:t>SOLID principles</a:t>
             </a:r>
-            <a:endParaRPr lang="en-US" dirty="0" smtClean="0"/>
-          </a:p>
-          <a:p>
-            <a:r>
-              <a:rPr lang="en-US" dirty="0" smtClean="0"/>
-              <a:t>Don't </a:t>
-            </a:r>
-            <a:r>
-              <a:rPr lang="en-US" dirty="0"/>
-              <a:t>repeat yourself (DRY</a:t>
-            </a:r>
-            <a:r>
-              <a:rPr lang="en-US" dirty="0" smtClean="0"/>
-              <a:t>)</a:t>
-            </a:r>
-            <a:endParaRPr lang="en-US" dirty="0"/>
-          </a:p>
-          <a:p>
-            <a:r>
-              <a:rPr lang="en-US" dirty="0"/>
-              <a:t>KISS (Keep it simple, stupid</a:t>
-            </a:r>
-            <a:r>
-              <a:rPr lang="en-US" dirty="0" smtClean="0"/>
-              <a:t>)</a:t>
-            </a:r>
-          </a:p>
-          <a:p>
-            <a:r>
-              <a:rPr lang="en-US" dirty="0" smtClean="0"/>
-              <a:t>YAGNI </a:t>
-            </a:r>
-            <a:r>
-              <a:rPr lang="en-US" dirty="0"/>
-              <a:t>(You </a:t>
+          </a:p>
+          <a:p>
+            <a:r>
+              <a:rPr lang="en-US" dirty="0"/>
+              <a:t>Don't repeat yourself (DRY)</a:t>
+            </a:r>
+          </a:p>
+          <a:p>
+            <a:r>
+              <a:rPr lang="en-US" dirty="0"/>
+              <a:t>KISS (Keep it simple, stupid)</a:t>
+            </a:r>
+          </a:p>
+          <a:p>
+            <a:r>
+              <a:rPr lang="en-US" dirty="0"/>
+              <a:t>YAGNI (You </a:t>
             </a:r>
             <a:r>
               <a:rPr lang="en-US" dirty="0" err="1"/>
@@ -5239,24 +5135,14 @@
             </a:r>
             <a:r>
               <a:rPr lang="en-US" dirty="0"/>
-              <a:t> need it</a:t>
-            </a:r>
-            <a:r>
-              <a:rPr lang="en-US" dirty="0" smtClean="0"/>
-              <a:t>)</a:t>
-            </a:r>
-            <a:endParaRPr lang="en-US" dirty="0"/>
-          </a:p>
-          <a:p>
-            <a:r>
-              <a:rPr lang="en-US" dirty="0"/>
-              <a:t>Test-driven development (TDD</a:t>
-            </a:r>
-            <a:r>
-              <a:rPr lang="en-US" dirty="0" smtClean="0"/>
-              <a:t>)</a:t>
-            </a:r>
-            <a:endParaRPr lang="en-US" dirty="0"/>
+              <a:t> need it)</a:t>
+            </a:r>
+          </a:p>
+          <a:p>
+            <a:r>
+              <a:rPr lang="en-US" dirty="0"/>
+              <a:t>Test-driven development (TDD)</a:t>
+            </a:r>
           </a:p>
           <a:p>
             <a:endParaRPr lang="en-US" dirty="0"/>
@@ -5333,10 +5219,9 @@
           <a:lstStyle/>
           <a:p>
             <a:r>
-              <a:rPr lang="en-US" dirty="0" smtClean="0"/>
+              <a:rPr lang="en-US" dirty="0"/>
               <a:t>Design Patterns</a:t>
             </a:r>
-            <a:endParaRPr lang="en-US" dirty="0"/>
           </a:p>
         </p:txBody>
       </p:sp>
@@ -5359,16 +5244,11 @@
               <a:rPr lang="en-US" dirty="0"/>
               <a:t>Design patterns at the software design level are reusable solutions to common problems that arise during the software design process. </a:t>
             </a:r>
-            <a:endParaRPr lang="en-US" dirty="0" smtClean="0"/>
-          </a:p>
-          <a:p>
-            <a:r>
-              <a:rPr lang="en-US" dirty="0" smtClean="0"/>
-              <a:t>They </a:t>
-            </a:r>
-            <a:r>
-              <a:rPr lang="en-US" dirty="0"/>
-              <a:t>provide a proven, standardized approach to solving specific design problems, making it easier for developers to create robust, maintainable, and extensible software systems.</a:t>
+          </a:p>
+          <a:p>
+            <a:r>
+              <a:rPr lang="en-US" dirty="0"/>
+              <a:t>They provide a proven, standardized approach to solving specific design problems, making it easier for developers to create robust, maintainable, and extensible software systems.</a:t>
             </a:r>
           </a:p>
         </p:txBody>
@@ -5473,11 +5353,7 @@
             </a:pPr>
             <a:r>
               <a:rPr lang="en-US" dirty="0"/>
-              <a:t>Minimal </a:t>
-            </a:r>
-            <a:r>
-              <a:rPr lang="en-US" dirty="0" smtClean="0"/>
-              <a:t>complexity</a:t>
+              <a:t>Minimal complexity</a:t>
             </a:r>
           </a:p>
           <a:p>
@@ -5487,12 +5363,8 @@
               </a:lnSpc>
             </a:pPr>
             <a:r>
-              <a:rPr lang="en-US" dirty="0" smtClean="0"/>
-              <a:t>A </a:t>
-            </a:r>
-            <a:r>
-              <a:rPr lang="en-US" dirty="0"/>
-              <a:t>design should be simple and easy to understand, avoiding unnecessary complexity that can make it hard to maintain and extend.</a:t>
+              <a:rPr lang="en-US" dirty="0"/>
+              <a:t>A design should be simple and easy to understand, avoiding unnecessary complexity that can make it hard to maintain and extend.</a:t>
             </a:r>
           </a:p>
           <a:p>
@@ -5502,16 +5374,8 @@
               </a:lnSpc>
             </a:pPr>
             <a:r>
-              <a:rPr lang="en-US" dirty="0" smtClean="0"/>
-              <a:t>Ease </a:t>
-            </a:r>
-            <a:r>
-              <a:rPr lang="en-US" dirty="0"/>
-              <a:t>of </a:t>
-            </a:r>
-            <a:r>
-              <a:rPr lang="en-US" dirty="0" smtClean="0"/>
-              <a:t>maintenance</a:t>
+              <a:rPr lang="en-US" dirty="0"/>
+              <a:t>Ease of maintenance</a:t>
             </a:r>
           </a:p>
           <a:p>
@@ -5521,12 +5385,8 @@
               </a:lnSpc>
             </a:pPr>
             <a:r>
-              <a:rPr lang="en-US" dirty="0" smtClean="0"/>
-              <a:t>A </a:t>
-            </a:r>
-            <a:r>
-              <a:rPr lang="en-US" dirty="0"/>
-              <a:t>design should be easy to maintain and modify, with a focus on making it self-explanatory for maintenance programmers.</a:t>
+              <a:rPr lang="en-US" dirty="0"/>
+              <a:t>A design should be easy to maintain and modify, with a focus on making it self-explanatory for maintenance programmers.</a:t>
             </a:r>
           </a:p>
           <a:p>
@@ -5536,7 +5396,7 @@
               </a:lnSpc>
             </a:pPr>
             <a:r>
-              <a:rPr lang="en-US" dirty="0" smtClean="0"/>
+              <a:rPr lang="en-US" dirty="0"/>
               <a:t>Loose coupling</a:t>
             </a:r>
           </a:p>
@@ -5547,12 +5407,8 @@
               </a:lnSpc>
             </a:pPr>
             <a:r>
-              <a:rPr lang="en-US" dirty="0" smtClean="0"/>
-              <a:t>A </a:t>
-            </a:r>
-            <a:r>
-              <a:rPr lang="en-US" dirty="0"/>
-              <a:t>design should minimize connections between different parts of a program to reduce the impact of changes and improvements.</a:t>
+              <a:rPr lang="en-US" dirty="0"/>
+              <a:t>A design should minimize connections between different parts of a program to reduce the impact of changes and improvements.</a:t>
             </a:r>
           </a:p>
         </p:txBody>
@@ -5656,7 +5512,7 @@
               </a:lnSpc>
             </a:pPr>
             <a:r>
-              <a:rPr lang="en-US" dirty="0" smtClean="0"/>
+              <a:rPr lang="en-US" dirty="0"/>
               <a:t>Extensibility</a:t>
             </a:r>
           </a:p>
@@ -5667,12 +5523,8 @@
               </a:lnSpc>
             </a:pPr>
             <a:r>
-              <a:rPr lang="en-US" dirty="0" smtClean="0"/>
-              <a:t>A </a:t>
-            </a:r>
-            <a:r>
-              <a:rPr lang="en-US" dirty="0"/>
-              <a:t>design should be modular and allow for easy extension and modification without affecting the underlying structure.</a:t>
+              <a:rPr lang="en-US" dirty="0"/>
+              <a:t>A design should be modular and allow for easy extension and modification without affecting the underlying structure.</a:t>
             </a:r>
           </a:p>
           <a:p>
@@ -5682,7 +5534,7 @@
               </a:lnSpc>
             </a:pPr>
             <a:r>
-              <a:rPr lang="en-US" dirty="0" smtClean="0"/>
+              <a:rPr lang="en-US" dirty="0"/>
               <a:t>Reusability</a:t>
             </a:r>
           </a:p>
@@ -5693,12 +5545,8 @@
               </a:lnSpc>
             </a:pPr>
             <a:r>
-              <a:rPr lang="en-US" dirty="0" smtClean="0"/>
-              <a:t>A </a:t>
-            </a:r>
-            <a:r>
-              <a:rPr lang="en-US" dirty="0"/>
-              <a:t>design should promote reusability by utilizing modular, flexible, and standardized components.</a:t>
+              <a:rPr lang="en-US" dirty="0"/>
+              <a:t>A design should promote reusability by utilizing modular, flexible, and standardized components.</a:t>
             </a:r>
           </a:p>
           <a:p>
@@ -5708,7 +5556,7 @@
               </a:lnSpc>
             </a:pPr>
             <a:r>
-              <a:rPr lang="en-US" dirty="0" smtClean="0"/>
+              <a:rPr lang="en-US" dirty="0"/>
               <a:t>High fan-in</a:t>
             </a:r>
           </a:p>
@@ -5719,12 +5567,8 @@
               </a:lnSpc>
             </a:pPr>
             <a:r>
-              <a:rPr lang="en-US" dirty="0" smtClean="0"/>
-              <a:t>A </a:t>
-            </a:r>
-            <a:r>
-              <a:rPr lang="en-US" dirty="0"/>
-              <a:t>design should have a high number of classes that use a given class, indicating good use of utility classes.</a:t>
+              <a:rPr lang="en-US" dirty="0"/>
+              <a:t>A design should have a high number of classes that use a given class, indicating good use of utility classes.</a:t>
             </a:r>
           </a:p>
         </p:txBody>
@@ -5829,11 +5673,7 @@
             </a:pPr>
             <a:r>
               <a:rPr lang="en-US" dirty="0"/>
-              <a:t>Low-to-medium </a:t>
-            </a:r>
-            <a:r>
-              <a:rPr lang="en-US" dirty="0" smtClean="0"/>
-              <a:t>fan-out</a:t>
+              <a:t>Low-to-medium fan-out</a:t>
             </a:r>
           </a:p>
           <a:p>
@@ -5843,12 +5683,8 @@
               </a:lnSpc>
             </a:pPr>
             <a:r>
-              <a:rPr lang="en-US" dirty="0" smtClean="0"/>
-              <a:t>A </a:t>
-            </a:r>
-            <a:r>
-              <a:rPr lang="en-US" dirty="0"/>
-              <a:t>design should have a low-to-medium number of classes used by a given class, avoiding high fan-out that may indicate complexity.</a:t>
+              <a:rPr lang="en-US" dirty="0"/>
+              <a:t>A design should have a low-to-medium number of classes used by a given class, avoiding high fan-out that may indicate complexity.</a:t>
             </a:r>
           </a:p>
           <a:p>
@@ -5858,7 +5694,7 @@
               </a:lnSpc>
             </a:pPr>
             <a:r>
-              <a:rPr lang="en-US" dirty="0" smtClean="0"/>
+              <a:rPr lang="en-US" dirty="0"/>
               <a:t>Portability</a:t>
             </a:r>
           </a:p>
@@ -5869,12 +5705,8 @@
               </a:lnSpc>
             </a:pPr>
             <a:r>
-              <a:rPr lang="en-US" dirty="0" smtClean="0"/>
-              <a:t>A </a:t>
-            </a:r>
-            <a:r>
-              <a:rPr lang="en-US" dirty="0"/>
-              <a:t>design should be easy to move to another environment, minimizing environment-specific dependencies.</a:t>
+              <a:rPr lang="en-US" dirty="0"/>
+              <a:t>A design should be easy to move to another environment, minimizing environment-specific dependencies.</a:t>
             </a:r>
           </a:p>
           <a:p>
@@ -5884,7 +5716,7 @@
               </a:lnSpc>
             </a:pPr>
             <a:r>
-              <a:rPr lang="en-US" dirty="0" smtClean="0"/>
+              <a:rPr lang="en-US" dirty="0"/>
               <a:t>Leanness</a:t>
             </a:r>
           </a:p>
@@ -5895,12 +5727,8 @@
               </a:lnSpc>
             </a:pPr>
             <a:r>
-              <a:rPr lang="en-US" dirty="0" smtClean="0"/>
-              <a:t>A </a:t>
-            </a:r>
-            <a:r>
-              <a:rPr lang="en-US" dirty="0"/>
-              <a:t>design should avoid unnecessary parts and code, minimizing the effort required for development, review, testing, and maintenance.</a:t>
+              <a:rPr lang="en-US" dirty="0"/>
+              <a:t>A design should avoid unnecessary parts and code, minimizing the effort required for development, review, testing, and maintenance.</a:t>
             </a:r>
           </a:p>
         </p:txBody>
@@ -6004,7 +5832,7 @@
               </a:lnSpc>
             </a:pPr>
             <a:r>
-              <a:rPr lang="en-US" dirty="0" smtClean="0"/>
+              <a:rPr lang="en-US" dirty="0"/>
               <a:t>Stratification</a:t>
             </a:r>
           </a:p>
@@ -6015,12 +5843,8 @@
               </a:lnSpc>
             </a:pPr>
             <a:r>
-              <a:rPr lang="en-US" dirty="0" smtClean="0"/>
-              <a:t>A </a:t>
-            </a:r>
-            <a:r>
-              <a:rPr lang="en-US" dirty="0"/>
-              <a:t>design should have clear levels of decomposition, allowing for a consistent view at each level without dipping into other levels.</a:t>
+              <a:rPr lang="en-US" dirty="0"/>
+              <a:t>A design should have clear levels of decomposition, allowing for a consistent view at each level without dipping into other levels.</a:t>
             </a:r>
           </a:p>
           <a:p>
@@ -6030,7 +5854,7 @@
               </a:lnSpc>
             </a:pPr>
             <a:r>
-              <a:rPr lang="en-US" dirty="0" smtClean="0"/>
+              <a:rPr lang="en-US" dirty="0"/>
               <a:t>Standard techniques</a:t>
             </a:r>
           </a:p>
@@ -6041,12 +5865,8 @@
               </a:lnSpc>
             </a:pPr>
             <a:r>
-              <a:rPr lang="en-US" dirty="0" smtClean="0"/>
-              <a:t>A </a:t>
-            </a:r>
-            <a:r>
-              <a:rPr lang="en-US" dirty="0"/>
-              <a:t>design should utilize established, widely-used techniques and tools to create a familiar and easy-to-understand design.</a:t>
+              <a:rPr lang="en-US" dirty="0"/>
+              <a:t>A design should utilize established, widely-used techniques and tools to create a familiar and easy-to-understand design.</a:t>
             </a:r>
           </a:p>
         </p:txBody>
@@ -6151,17 +5971,8 @@
             </a:pPr>
             <a:r>
               <a:rPr lang="en-US" dirty="0"/>
-              <a:t>Software </a:t>
-            </a:r>
-            <a:r>
-              <a:rPr lang="en-US" dirty="0" smtClean="0"/>
-              <a:t>architecture refers </a:t>
-            </a:r>
-            <a:r>
-              <a:rPr lang="en-US" dirty="0"/>
-              <a:t>to the high-level structure of a software system, including the components, interactions, and relationships between them. </a:t>
-            </a:r>
-            <a:endParaRPr lang="en-US" dirty="0" smtClean="0"/>
+              <a:t>Software architecture refers to the high-level structure of a software system, including the components, interactions, and relationships between them. </a:t>
+            </a:r>
           </a:p>
           <a:p>
             <a:pPr>
@@ -6170,12 +5981,8 @@
               </a:lnSpc>
             </a:pPr>
             <a:r>
-              <a:rPr lang="en-US" dirty="0" smtClean="0"/>
-              <a:t>It </a:t>
-            </a:r>
-            <a:r>
-              <a:rPr lang="en-US" dirty="0"/>
-              <a:t>provides a blueprint for the software system, which helps in understanding how the different parts of the system fit together and how they will work together to meet the requirements.</a:t>
+              <a:rPr lang="en-US" dirty="0"/>
+              <a:t>It provides a blueprint for the software system, which helps in understanding how the different parts of the system fit together and how they will work together to meet the requirements.</a:t>
             </a:r>
           </a:p>
         </p:txBody>
@@ -6214,13 +6021,6 @@
   <p:clrMapOvr>
     <a:masterClrMapping/>
   </p:clrMapOvr>
-  <p:timing>
-    <p:tnLst>
-      <p:par>
-        <p:cTn id="1" dur="indefinite" restart="never" nodeType="tmRoot"/>
-      </p:par>
-    </p:tnLst>
-  </p:timing>
 </p:sld>
 </file>
 
@@ -6260,13 +6060,8 @@
           <a:p>
             <a:r>
               <a:rPr lang="en-US" dirty="0"/>
-              <a:t>Difference between Architecture and </a:t>
-            </a:r>
-            <a:r>
-              <a:rPr lang="en-US" dirty="0" smtClean="0"/>
-              <a:t>Design</a:t>
-            </a:r>
-            <a:endParaRPr lang="en-US" dirty="0"/>
+              <a:t>Difference between Architecture and Design</a:t>
+            </a:r>
           </a:p>
         </p:txBody>
       </p:sp>
@@ -6294,16 +6089,11 @@
               <a:rPr lang="en-US" dirty="0"/>
               <a:t>The main difference between software design and software architecture is that software design is focused on the details of the system, while software architecture is focused on the overall structure and high-level design. </a:t>
             </a:r>
-            <a:endParaRPr lang="en-US" dirty="0" smtClean="0"/>
-          </a:p>
-          <a:p>
-            <a:r>
-              <a:rPr lang="en-US" dirty="0" smtClean="0"/>
-              <a:t>Software </a:t>
-            </a:r>
-            <a:r>
-              <a:rPr lang="en-US" dirty="0"/>
-              <a:t>design typically involves making decisions about the algorithms, data structures, and other low-level details of the system, while software architecture focuses on the overall shape of the system and how it will meet the requirements.</a:t>
+          </a:p>
+          <a:p>
+            <a:r>
+              <a:rPr lang="en-US" dirty="0"/>
+              <a:t>Software design typically involves making decisions about the algorithms, data structures, and other low-level details of the system, while software architecture focuses on the overall shape of the system and how it will meet the requirements.</a:t>
             </a:r>
           </a:p>
         </p:txBody>
@@ -6419,10 +6209,9 @@
           <a:lstStyle/>
           <a:p>
             <a:r>
-              <a:rPr lang="en-US" dirty="0" smtClean="0"/>
+              <a:rPr lang="en-US" dirty="0"/>
               <a:t>Sprints</a:t>
             </a:r>
-            <a:endParaRPr lang="en-US" dirty="0"/>
           </a:p>
         </p:txBody>
       </p:sp>
@@ -6442,37 +6231,20 @@
           <a:lstStyle/>
           <a:p>
             <a:r>
-              <a:rPr lang="en-US" dirty="0" smtClean="0"/>
-              <a:t>In </a:t>
-            </a:r>
-            <a:r>
-              <a:rPr lang="en-US" dirty="0"/>
-              <a:t>an iterative development approach, the development process is broken down into smaller iterations, with each iteration focusing on delivering a working software system. </a:t>
-            </a:r>
-            <a:endParaRPr lang="en-US" dirty="0" smtClean="0"/>
-          </a:p>
-          <a:p>
-            <a:r>
-              <a:rPr lang="en-US" dirty="0" smtClean="0"/>
-              <a:t>Each </a:t>
-            </a:r>
-            <a:r>
-              <a:rPr lang="en-US" dirty="0"/>
-              <a:t>iteration typically includes a planning phase, a development phase, and a testing phase</a:t>
-            </a:r>
-            <a:r>
-              <a:rPr lang="en-US" dirty="0" smtClean="0"/>
-              <a:t>.</a:t>
-            </a:r>
-          </a:p>
-          <a:p>
-            <a:r>
-              <a:rPr lang="en-US" dirty="0" smtClean="0"/>
-              <a:t>Software </a:t>
-            </a:r>
-            <a:r>
-              <a:rPr lang="en-US" dirty="0"/>
-              <a:t>design and software architecture play a crucial role in each iteration. </a:t>
+              <a:rPr lang="en-US" dirty="0"/>
+              <a:t>In an iterative development approach, the development process is broken down into smaller iterations, with each iteration focusing on delivering a working software system. </a:t>
+            </a:r>
+          </a:p>
+          <a:p>
+            <a:r>
+              <a:rPr lang="en-US" dirty="0"/>
+              <a:t>Each iteration typically includes a planning phase, a development phase, and a testing phase.</a:t>
+            </a:r>
+          </a:p>
+          <a:p>
+            <a:r>
+              <a:rPr lang="en-US" dirty="0"/>
+              <a:t>Software design and software architecture play a crucial role in each iteration. </a:t>
             </a:r>
           </a:p>
           <a:p>
@@ -6550,10 +6322,9 @@
           <a:lstStyle/>
           <a:p>
             <a:r>
-              <a:rPr lang="en-US" dirty="0" smtClean="0"/>
+              <a:rPr lang="en-US" dirty="0"/>
               <a:t>Sprints</a:t>
             </a:r>
-            <a:endParaRPr lang="en-US" dirty="0"/>
           </a:p>
         </p:txBody>
       </p:sp>
@@ -6579,12 +6350,8 @@
           </a:p>
           <a:p>
             <a:r>
-              <a:rPr lang="en-US" dirty="0" smtClean="0"/>
-              <a:t>During </a:t>
-            </a:r>
-            <a:r>
-              <a:rPr lang="en-US" dirty="0"/>
-              <a:t>the development phase, the software design and architecture serve as a blueprint for the developers, providing them with a clear understanding of how the different parts of the system fit together and how they should be implemented.</a:t>
+              <a:rPr lang="en-US" dirty="0"/>
+              <a:t>During the development phase, the software design and architecture serve as a blueprint for the developers, providing them with a clear understanding of how the different parts of the system fit together and how they should be implemented.</a:t>
             </a:r>
           </a:p>
         </p:txBody>
@@ -6804,6 +6571,112 @@
 </p:sld>
 </file>
 
+<file path=ppt/slides/slide25.xml><?xml version="1.0" encoding="utf-8"?>
+<p:sld xmlns:a="http://schemas.openxmlformats.org/drawingml/2006/main" xmlns:r="http://schemas.openxmlformats.org/officeDocument/2006/relationships" xmlns:p="http://schemas.openxmlformats.org/presentationml/2006/main">
+  <p:cSld>
+    <p:spTree>
+      <p:nvGrpSpPr>
+        <p:cNvPr id="1" name=""/>
+        <p:cNvGrpSpPr/>
+        <p:nvPr/>
+      </p:nvGrpSpPr>
+      <p:grpSpPr>
+        <a:xfrm>
+          <a:off x="0" y="0"/>
+          <a:ext cx="0" cy="0"/>
+          <a:chOff x="0" y="0"/>
+          <a:chExt cx="0" cy="0"/>
+        </a:xfrm>
+      </p:grpSpPr>
+      <p:sp>
+        <p:nvSpPr>
+          <p:cNvPr id="2" name="Slide Number Placeholder 1">
+            <a:extLst>
+              <a:ext uri="{FF2B5EF4-FFF2-40B4-BE49-F238E27FC236}">
+                <a16:creationId xmlns:a16="http://schemas.microsoft.com/office/drawing/2014/main" id="{36F5914F-2962-400D-8322-0609777EDC99}"/>
+              </a:ext>
+            </a:extLst>
+          </p:cNvPr>
+          <p:cNvSpPr>
+            <a:spLocks noGrp="1"/>
+          </p:cNvSpPr>
+          <p:nvPr>
+            <p:ph type="sldNum" sz="quarter" idx="12"/>
+          </p:nvPr>
+        </p:nvSpPr>
+        <p:spPr/>
+        <p:txBody>
+          <a:bodyPr/>
+          <a:lstStyle/>
+          <a:p>
+            <a:fld id="{B8DACC02-A2BD-4578-8E03-6D891060A695}" type="slidenum">
+              <a:rPr lang="en-US" smtClean="0"/>
+              <a:t>25</a:t>
+            </a:fld>
+            <a:endParaRPr lang="en-US"/>
+          </a:p>
+        </p:txBody>
+      </p:sp>
+      <p:pic>
+        <p:nvPicPr>
+          <p:cNvPr id="1028" name="Picture 4" descr="Scrum Methodology: An Agile Framework for Project Management | Infinity">
+            <a:extLst>
+              <a:ext uri="{FF2B5EF4-FFF2-40B4-BE49-F238E27FC236}">
+                <a16:creationId xmlns:a16="http://schemas.microsoft.com/office/drawing/2014/main" id="{9C3FD5DF-B915-4FD9-9E55-C47A2411BE29}"/>
+              </a:ext>
+            </a:extLst>
+          </p:cNvPr>
+          <p:cNvPicPr>
+            <a:picLocks noChangeAspect="1" noChangeArrowheads="1"/>
+          </p:cNvPicPr>
+          <p:nvPr/>
+        </p:nvPicPr>
+        <p:blipFill>
+          <a:blip r:embed="rId2">
+            <a:extLst>
+              <a:ext uri="{28A0092B-C50C-407E-A947-70E740481C1C}">
+                <a14:useLocalDpi xmlns:a14="http://schemas.microsoft.com/office/drawing/2010/main" val="0"/>
+              </a:ext>
+            </a:extLst>
+          </a:blip>
+          <a:srcRect/>
+          <a:stretch>
+            <a:fillRect/>
+          </a:stretch>
+        </p:blipFill>
+        <p:spPr bwMode="auto">
+          <a:xfrm>
+            <a:off x="1676400" y="0"/>
+            <a:ext cx="8839200" cy="6858000"/>
+          </a:xfrm>
+          <a:prstGeom prst="rect">
+            <a:avLst/>
+          </a:prstGeom>
+          <a:noFill/>
+          <a:extLst>
+            <a:ext uri="{909E8E84-426E-40DD-AFC4-6F175D3DCCD1}">
+              <a14:hiddenFill xmlns:a14="http://schemas.microsoft.com/office/drawing/2010/main">
+                <a:solidFill>
+                  <a:srgbClr val="FFFFFF"/>
+                </a:solidFill>
+              </a14:hiddenFill>
+            </a:ext>
+          </a:extLst>
+        </p:spPr>
+      </p:pic>
+    </p:spTree>
+    <p:extLst>
+      <p:ext uri="{BB962C8B-B14F-4D97-AF65-F5344CB8AC3E}">
+        <p14:creationId xmlns:p14="http://schemas.microsoft.com/office/powerpoint/2010/main" val="4093845323"/>
+      </p:ext>
+    </p:extLst>
+  </p:cSld>
+  <p:clrMapOvr>
+    <a:masterClrMapping/>
+  </p:clrMapOvr>
+</p:sld>
+</file>
+
 <file path=ppt/slides/slide3.xml><?xml version="1.0" encoding="utf-8"?>
 <p:sld xmlns:a="http://schemas.openxmlformats.org/drawingml/2006/main" xmlns:r="http://schemas.openxmlformats.org/officeDocument/2006/relationships" xmlns:p="http://schemas.openxmlformats.org/presentationml/2006/main">
   <p:cSld>
@@ -6877,12 +6750,8 @@
               </a:lnSpc>
             </a:pPr>
             <a:r>
-              <a:rPr lang="en-US" dirty="0" smtClean="0"/>
-              <a:t>Components</a:t>
-            </a:r>
-            <a:r>
-              <a:rPr lang="en-US" dirty="0"/>
-              <a:t>: The actual pieces of software (programs, libraries, databases, etc.) that carry out system functions.</a:t>
+              <a:rPr lang="en-US" dirty="0"/>
+              <a:t>Components: The actual pieces of software (programs, libraries, databases, etc.) that carry out system functions.</a:t>
             </a:r>
           </a:p>
           <a:p>
@@ -6943,13 +6812,6 @@
   <p:clrMapOvr>
     <a:masterClrMapping/>
   </p:clrMapOvr>
-  <p:timing>
-    <p:tnLst>
-      <p:par>
-        <p:cTn id="1" dur="indefinite" restart="never" nodeType="tmRoot"/>
-      </p:par>
-    </p:tnLst>
-  </p:timing>
 </p:sld>
 </file>
 
@@ -7015,14 +6877,9 @@
               </a:lnSpc>
             </a:pPr>
             <a:r>
-              <a:rPr lang="en-US" dirty="0" smtClean="0"/>
-              <a:t>Software </a:t>
-            </a:r>
-            <a:r>
-              <a:rPr lang="en-US" dirty="0"/>
-              <a:t>architecture serves as the foundation of a software system. </a:t>
-            </a:r>
-            <a:endParaRPr lang="en-US" dirty="0" smtClean="0"/>
+              <a:rPr lang="en-US" dirty="0"/>
+              <a:t>Software architecture serves as the foundation of a software system. </a:t>
+            </a:r>
           </a:p>
           <a:p>
             <a:pPr>
@@ -7031,12 +6888,8 @@
               </a:lnSpc>
             </a:pPr>
             <a:r>
-              <a:rPr lang="en-US" dirty="0" smtClean="0"/>
-              <a:t>Its </a:t>
-            </a:r>
-            <a:r>
-              <a:rPr lang="en-US" dirty="0"/>
-              <a:t>importance cannot be overstated, and here's why:</a:t>
+              <a:rPr lang="en-US" dirty="0"/>
+              <a:t>Its importance cannot be overstated, and here's why:</a:t>
             </a:r>
           </a:p>
           <a:p>
@@ -7046,12 +6899,8 @@
               </a:lnSpc>
             </a:pPr>
             <a:r>
-              <a:rPr lang="en-US" dirty="0" smtClean="0"/>
-              <a:t>Quality </a:t>
-            </a:r>
-            <a:r>
-              <a:rPr lang="en-US" dirty="0"/>
-              <a:t>Attributes: It defines the system's properties, such as scalability, reliability, and performance.</a:t>
+              <a:rPr lang="en-US" dirty="0"/>
+              <a:t>Quality Attributes: It defines the system's properties, such as scalability, reliability, and performance.</a:t>
             </a:r>
           </a:p>
           <a:p>
@@ -7123,13 +6972,6 @@
   <p:clrMapOvr>
     <a:masterClrMapping/>
   </p:clrMapOvr>
-  <p:timing>
-    <p:tnLst>
-      <p:par>
-        <p:cTn id="1" dur="indefinite" restart="never" nodeType="tmRoot"/>
-      </p:par>
-    </p:tnLst>
-  </p:timing>
 </p:sld>
 </file>
 
@@ -7193,12 +7035,8 @@
               </a:lnSpc>
             </a:pPr>
             <a:r>
-              <a:rPr lang="en-US" dirty="0" smtClean="0"/>
-              <a:t>Components</a:t>
-            </a:r>
-            <a:r>
-              <a:rPr lang="en-US" dirty="0"/>
-              <a:t>, connectors, and configurations</a:t>
+              <a:rPr lang="en-US" dirty="0"/>
+              <a:t>Components, connectors, and configurations</a:t>
             </a:r>
           </a:p>
           <a:p>
@@ -7208,12 +7046,8 @@
               </a:lnSpc>
             </a:pPr>
             <a:r>
-              <a:rPr lang="en-US" dirty="0" smtClean="0"/>
-              <a:t>Architectural </a:t>
-            </a:r>
-            <a:r>
-              <a:rPr lang="en-US" dirty="0"/>
-              <a:t>styles and patterns</a:t>
+              <a:rPr lang="en-US" dirty="0"/>
+              <a:t>Architectural styles and patterns</a:t>
             </a:r>
           </a:p>
           <a:p>
@@ -7223,12 +7057,8 @@
               </a:lnSpc>
             </a:pPr>
             <a:r>
-              <a:rPr lang="en-US" dirty="0" smtClean="0"/>
-              <a:t>Layers </a:t>
-            </a:r>
-            <a:r>
-              <a:rPr lang="en-US" dirty="0"/>
-              <a:t>and tiers in architecture</a:t>
+              <a:rPr lang="en-US" dirty="0"/>
+              <a:t>Layers and tiers in architecture</a:t>
             </a:r>
           </a:p>
           <a:p>
@@ -7275,13 +7105,6 @@
   <p:clrMapOvr>
     <a:masterClrMapping/>
   </p:clrMapOvr>
-  <p:timing>
-    <p:tnLst>
-      <p:par>
-        <p:cTn id="1" dur="indefinite" restart="never" nodeType="tmRoot"/>
-      </p:par>
-    </p:tnLst>
-  </p:timing>
 </p:sld>
 </file>
 
@@ -7423,13 +7246,6 @@
   <p:clrMapOvr>
     <a:masterClrMapping/>
   </p:clrMapOvr>
-  <p:timing>
-    <p:tnLst>
-      <p:par>
-        <p:cTn id="1" dur="indefinite" restart="never" nodeType="tmRoot"/>
-      </p:par>
-    </p:tnLst>
-  </p:timing>
 </p:sld>
 </file>
 
@@ -7493,12 +7309,8 @@
               </a:lnSpc>
             </a:pPr>
             <a:r>
-              <a:rPr lang="en-US" dirty="0" smtClean="0"/>
-              <a:t>How </a:t>
-            </a:r>
-            <a:r>
-              <a:rPr lang="en-US" dirty="0"/>
-              <a:t>and when to make design decisions</a:t>
+              <a:rPr lang="en-US" dirty="0"/>
+              <a:t>How and when to make design decisions</a:t>
             </a:r>
           </a:p>
           <a:p>
@@ -7508,12 +7320,8 @@
               </a:lnSpc>
             </a:pPr>
             <a:r>
-              <a:rPr lang="en-US" dirty="0" smtClean="0"/>
-              <a:t>Factors </a:t>
-            </a:r>
-            <a:r>
-              <a:rPr lang="en-US" dirty="0"/>
-              <a:t>influencing these decisions</a:t>
+              <a:rPr lang="en-US" dirty="0"/>
+              <a:t>Factors influencing these decisions</a:t>
             </a:r>
           </a:p>
           <a:p>
@@ -7523,12 +7331,8 @@
               </a:lnSpc>
             </a:pPr>
             <a:r>
-              <a:rPr lang="en-US" dirty="0" smtClean="0"/>
-              <a:t>Importance </a:t>
-            </a:r>
-            <a:r>
-              <a:rPr lang="en-US" dirty="0"/>
-              <a:t>of trade-offs in architecture</a:t>
+              <a:rPr lang="en-US" dirty="0"/>
+              <a:t>Importance of trade-offs in architecture</a:t>
             </a:r>
           </a:p>
           <a:p>
@@ -7575,13 +7379,6 @@
   <p:clrMapOvr>
     <a:masterClrMapping/>
   </p:clrMapOvr>
-  <p:timing>
-    <p:tnLst>
-      <p:par>
-        <p:cTn id="1" dur="indefinite" restart="never" nodeType="tmRoot"/>
-      </p:par>
-    </p:tnLst>
-  </p:timing>
 </p:sld>
 </file>
 
@@ -7645,12 +7442,8 @@
               </a:lnSpc>
             </a:pPr>
             <a:r>
-              <a:rPr lang="en-US" dirty="0" smtClean="0"/>
-              <a:t>Monolithic </a:t>
-            </a:r>
-            <a:r>
-              <a:rPr lang="en-US" dirty="0"/>
-              <a:t>Architecture</a:t>
+              <a:rPr lang="en-US" dirty="0"/>
+              <a:t>Monolithic Architecture</a:t>
             </a:r>
           </a:p>
           <a:p>
@@ -7660,16 +7453,12 @@
               </a:lnSpc>
             </a:pPr>
             <a:r>
-              <a:rPr lang="en-US" dirty="0" err="1" smtClean="0"/>
+              <a:rPr lang="en-US" dirty="0" err="1"/>
               <a:t>Microservices</a:t>
             </a:r>
             <a:r>
-              <a:rPr lang="en-US" dirty="0" smtClean="0"/>
-              <a:t> </a:t>
-            </a:r>
-            <a:r>
-              <a:rPr lang="en-US" dirty="0"/>
-              <a:t>Architecture</a:t>
+              <a:rPr lang="en-US" dirty="0"/>
+              <a:t> Architecture</a:t>
             </a:r>
           </a:p>
           <a:p>
@@ -7679,16 +7468,12 @@
               </a:lnSpc>
             </a:pPr>
             <a:r>
-              <a:rPr lang="en-US" dirty="0" err="1" smtClean="0"/>
+              <a:rPr lang="en-US" dirty="0" err="1"/>
               <a:t>Serverless</a:t>
             </a:r>
             <a:r>
-              <a:rPr lang="en-US" dirty="0" smtClean="0"/>
-              <a:t> </a:t>
-            </a:r>
-            <a:r>
-              <a:rPr lang="en-US" dirty="0"/>
-              <a:t>Architecture</a:t>
+              <a:rPr lang="en-US" dirty="0"/>
+              <a:t> Architecture</a:t>
             </a:r>
           </a:p>
           <a:p>
@@ -7698,12 +7483,8 @@
               </a:lnSpc>
             </a:pPr>
             <a:r>
-              <a:rPr lang="en-US" dirty="0" smtClean="0"/>
-              <a:t>Event-Driven </a:t>
-            </a:r>
-            <a:r>
-              <a:rPr lang="en-US" dirty="0"/>
-              <a:t>Architecture</a:t>
+              <a:rPr lang="en-US" dirty="0"/>
+              <a:t>Event-Driven Architecture</a:t>
             </a:r>
           </a:p>
           <a:p>
@@ -7813,12 +7594,8 @@
               </a:lnSpc>
             </a:pPr>
             <a:r>
-              <a:rPr lang="en-US" dirty="0" smtClean="0"/>
-              <a:t>Definition </a:t>
-            </a:r>
-            <a:r>
-              <a:rPr lang="en-US" dirty="0"/>
-              <a:t>of modularity</a:t>
+              <a:rPr lang="en-US" dirty="0"/>
+              <a:t>Definition of modularity</a:t>
             </a:r>
           </a:p>
           <a:p>
@@ -7828,12 +7605,8 @@
               </a:lnSpc>
             </a:pPr>
             <a:r>
-              <a:rPr lang="en-US" dirty="0" smtClean="0"/>
-              <a:t>Benefits </a:t>
-            </a:r>
-            <a:r>
-              <a:rPr lang="en-US" dirty="0"/>
-              <a:t>of modularity in software design</a:t>
+              <a:rPr lang="en-US" dirty="0"/>
+              <a:t>Benefits of modularity in software design</a:t>
             </a:r>
           </a:p>
           <a:p>
@@ -7843,12 +7616,8 @@
               </a:lnSpc>
             </a:pPr>
             <a:r>
-              <a:rPr lang="en-US" dirty="0" smtClean="0"/>
-              <a:t>Strategies </a:t>
-            </a:r>
-            <a:r>
-              <a:rPr lang="en-US" dirty="0"/>
-              <a:t>to achieve modularity</a:t>
+              <a:rPr lang="en-US" dirty="0"/>
+              <a:t>Strategies to achieve modularity</a:t>
             </a:r>
           </a:p>
           <a:p>
